--- a/DBD 분석/맵 분석/3. 콜드윈드 농장(★)/3. 썩은 들판(★)/종합(시간,멘트).pptx
+++ b/DBD 분석/맵 분석/3. 콜드윈드 농장(★)/3. 썩은 들판(★)/종합(시간,멘트).pptx
@@ -5,12 +5,14 @@
     <p:sldMasterId id="2147483648" r:id="rId1"/>
   </p:sldMasterIdLst>
   <p:notesMasterIdLst>
-    <p:notesMasterId r:id="rId5"/>
+    <p:notesMasterId r:id="rId7"/>
   </p:notesMasterIdLst>
   <p:sldIdLst>
     <p:sldId id="284" r:id="rId2"/>
     <p:sldId id="285" r:id="rId3"/>
     <p:sldId id="286" r:id="rId4"/>
+    <p:sldId id="287" r:id="rId5"/>
+    <p:sldId id="288" r:id="rId6"/>
   </p:sldIdLst>
   <p:sldSz cx="12192000" cy="6858000"/>
   <p:notesSz cx="6858000" cy="9144000"/>
@@ -111,7 +113,7 @@
   </p:defaultTextStyle>
   <p:extLst>
     <p:ext uri="{EFAFB233-063F-42B5-8137-9DF3F51BA10A}">
-      <p15:sldGuideLst xmlns:p15="http://schemas.microsoft.com/office/powerpoint/2012/main">
+      <p15:sldGuideLst xmlns:p15="http://schemas.microsoft.com/office/powerpoint/2012/main" xmlns="">
         <p15:guide id="1" orient="horz" pos="2160">
           <p15:clr>
             <a:srgbClr val="A4A3A4"/>
@@ -210,7 +212,7 @@
           <a:p>
             <a:fld id="{92FB9B8E-7460-4A65-8DD1-5001397F6CD0}" type="datetimeFigureOut">
               <a:rPr lang="ko-KR" altLang="en-US" smtClean="0"/>
-              <a:t>2020-02-12</a:t>
+              <a:t>2020-02-13</a:t>
             </a:fld>
             <a:endParaRPr lang="ko-KR" altLang="en-US"/>
           </a:p>
@@ -730,6 +732,174 @@
 </p:notes>
 </file>
 
+<file path=ppt/notesSlides/notesSlide4.xml><?xml version="1.0" encoding="utf-8"?>
+<p:notes xmlns:a="http://schemas.openxmlformats.org/drawingml/2006/main" xmlns:r="http://schemas.openxmlformats.org/officeDocument/2006/relationships" xmlns:p="http://schemas.openxmlformats.org/presentationml/2006/main">
+  <p:cSld>
+    <p:spTree>
+      <p:nvGrpSpPr>
+        <p:cNvPr id="1" name=""/>
+        <p:cNvGrpSpPr/>
+        <p:nvPr/>
+      </p:nvGrpSpPr>
+      <p:grpSpPr>
+        <a:xfrm>
+          <a:off x="0" y="0"/>
+          <a:ext cx="0" cy="0"/>
+          <a:chOff x="0" y="0"/>
+          <a:chExt cx="0" cy="0"/>
+        </a:xfrm>
+      </p:grpSpPr>
+      <p:sp>
+        <p:nvSpPr>
+          <p:cNvPr id="2" name="슬라이드 이미지 개체 틀 1"/>
+          <p:cNvSpPr>
+            <a:spLocks noGrp="1" noRot="1" noChangeAspect="1"/>
+          </p:cNvSpPr>
+          <p:nvPr>
+            <p:ph type="sldImg"/>
+          </p:nvPr>
+        </p:nvSpPr>
+        <p:spPr/>
+      </p:sp>
+      <p:sp>
+        <p:nvSpPr>
+          <p:cNvPr id="3" name="슬라이드 노트 개체 틀 2"/>
+          <p:cNvSpPr>
+            <a:spLocks noGrp="1"/>
+          </p:cNvSpPr>
+          <p:nvPr>
+            <p:ph type="body" idx="1"/>
+          </p:nvPr>
+        </p:nvSpPr>
+        <p:spPr/>
+        <p:txBody>
+          <a:bodyPr/>
+          <a:lstStyle/>
+          <a:p>
+            <a:endParaRPr lang="en-US" altLang="ko-KR" baseline="0" dirty="0" smtClean="0"/>
+          </a:p>
+        </p:txBody>
+      </p:sp>
+      <p:sp>
+        <p:nvSpPr>
+          <p:cNvPr id="4" name="슬라이드 번호 개체 틀 3"/>
+          <p:cNvSpPr>
+            <a:spLocks noGrp="1"/>
+          </p:cNvSpPr>
+          <p:nvPr>
+            <p:ph type="sldNum" sz="quarter" idx="10"/>
+          </p:nvPr>
+        </p:nvSpPr>
+        <p:spPr/>
+        <p:txBody>
+          <a:bodyPr/>
+          <a:lstStyle/>
+          <a:p>
+            <a:fld id="{0D2F3107-8B6A-4B65-B28D-2687EDAB2094}" type="slidenum">
+              <a:rPr lang="ko-KR" altLang="en-US" smtClean="0"/>
+              <a:t>4</a:t>
+            </a:fld>
+            <a:endParaRPr lang="ko-KR" altLang="en-US"/>
+          </a:p>
+        </p:txBody>
+      </p:sp>
+    </p:spTree>
+    <p:extLst>
+      <p:ext uri="{BB962C8B-B14F-4D97-AF65-F5344CB8AC3E}">
+        <p14:creationId xmlns:p14="http://schemas.microsoft.com/office/powerpoint/2010/main" val="3009724792"/>
+      </p:ext>
+    </p:extLst>
+  </p:cSld>
+  <p:clrMapOvr>
+    <a:masterClrMapping/>
+  </p:clrMapOvr>
+</p:notes>
+</file>
+
+<file path=ppt/notesSlides/notesSlide5.xml><?xml version="1.0" encoding="utf-8"?>
+<p:notes xmlns:a="http://schemas.openxmlformats.org/drawingml/2006/main" xmlns:r="http://schemas.openxmlformats.org/officeDocument/2006/relationships" xmlns:p="http://schemas.openxmlformats.org/presentationml/2006/main">
+  <p:cSld>
+    <p:spTree>
+      <p:nvGrpSpPr>
+        <p:cNvPr id="1" name=""/>
+        <p:cNvGrpSpPr/>
+        <p:nvPr/>
+      </p:nvGrpSpPr>
+      <p:grpSpPr>
+        <a:xfrm>
+          <a:off x="0" y="0"/>
+          <a:ext cx="0" cy="0"/>
+          <a:chOff x="0" y="0"/>
+          <a:chExt cx="0" cy="0"/>
+        </a:xfrm>
+      </p:grpSpPr>
+      <p:sp>
+        <p:nvSpPr>
+          <p:cNvPr id="2" name="슬라이드 이미지 개체 틀 1"/>
+          <p:cNvSpPr>
+            <a:spLocks noGrp="1" noRot="1" noChangeAspect="1"/>
+          </p:cNvSpPr>
+          <p:nvPr>
+            <p:ph type="sldImg"/>
+          </p:nvPr>
+        </p:nvSpPr>
+        <p:spPr/>
+      </p:sp>
+      <p:sp>
+        <p:nvSpPr>
+          <p:cNvPr id="3" name="슬라이드 노트 개체 틀 2"/>
+          <p:cNvSpPr>
+            <a:spLocks noGrp="1"/>
+          </p:cNvSpPr>
+          <p:nvPr>
+            <p:ph type="body" idx="1"/>
+          </p:nvPr>
+        </p:nvSpPr>
+        <p:spPr/>
+        <p:txBody>
+          <a:bodyPr/>
+          <a:lstStyle/>
+          <a:p>
+            <a:endParaRPr lang="en-US" altLang="ko-KR" baseline="0" dirty="0" smtClean="0"/>
+          </a:p>
+        </p:txBody>
+      </p:sp>
+      <p:sp>
+        <p:nvSpPr>
+          <p:cNvPr id="4" name="슬라이드 번호 개체 틀 3"/>
+          <p:cNvSpPr>
+            <a:spLocks noGrp="1"/>
+          </p:cNvSpPr>
+          <p:nvPr>
+            <p:ph type="sldNum" sz="quarter" idx="10"/>
+          </p:nvPr>
+        </p:nvSpPr>
+        <p:spPr/>
+        <p:txBody>
+          <a:bodyPr/>
+          <a:lstStyle/>
+          <a:p>
+            <a:fld id="{0D2F3107-8B6A-4B65-B28D-2687EDAB2094}" type="slidenum">
+              <a:rPr lang="ko-KR" altLang="en-US" smtClean="0"/>
+              <a:t>5</a:t>
+            </a:fld>
+            <a:endParaRPr lang="ko-KR" altLang="en-US"/>
+          </a:p>
+        </p:txBody>
+      </p:sp>
+    </p:spTree>
+    <p:extLst>
+      <p:ext uri="{BB962C8B-B14F-4D97-AF65-F5344CB8AC3E}">
+        <p14:creationId xmlns:p14="http://schemas.microsoft.com/office/powerpoint/2010/main" val="3009724792"/>
+      </p:ext>
+    </p:extLst>
+  </p:cSld>
+  <p:clrMapOvr>
+    <a:masterClrMapping/>
+  </p:clrMapOvr>
+</p:notes>
+</file>
+
 <file path=ppt/slideLayouts/slideLayout1.xml><?xml version="1.0" encoding="utf-8"?>
 <p:sldLayout xmlns:a="http://schemas.openxmlformats.org/drawingml/2006/main" xmlns:r="http://schemas.openxmlformats.org/officeDocument/2006/relationships" xmlns:p="http://schemas.openxmlformats.org/presentationml/2006/main" type="title" preserve="1">
   <p:cSld name="제목 슬라이드">
@@ -861,7 +1031,7 @@
           <a:p>
             <a:fld id="{F86301F8-5A19-4D53-B525-D052BC8201C6}" type="datetimeFigureOut">
               <a:rPr lang="ko-KR" altLang="en-US" smtClean="0"/>
-              <a:t>2020-02-12</a:t>
+              <a:t>2020-02-13</a:t>
             </a:fld>
             <a:endParaRPr lang="ko-KR" altLang="en-US"/>
           </a:p>
@@ -1031,7 +1201,7 @@
           <a:p>
             <a:fld id="{F86301F8-5A19-4D53-B525-D052BC8201C6}" type="datetimeFigureOut">
               <a:rPr lang="ko-KR" altLang="en-US" smtClean="0"/>
-              <a:t>2020-02-12</a:t>
+              <a:t>2020-02-13</a:t>
             </a:fld>
             <a:endParaRPr lang="ko-KR" altLang="en-US"/>
           </a:p>
@@ -1211,7 +1381,7 @@
           <a:p>
             <a:fld id="{F86301F8-5A19-4D53-B525-D052BC8201C6}" type="datetimeFigureOut">
               <a:rPr lang="ko-KR" altLang="en-US" smtClean="0"/>
-              <a:t>2020-02-12</a:t>
+              <a:t>2020-02-13</a:t>
             </a:fld>
             <a:endParaRPr lang="ko-KR" altLang="en-US"/>
           </a:p>
@@ -1381,7 +1551,7 @@
           <a:p>
             <a:fld id="{F86301F8-5A19-4D53-B525-D052BC8201C6}" type="datetimeFigureOut">
               <a:rPr lang="ko-KR" altLang="en-US" smtClean="0"/>
-              <a:t>2020-02-12</a:t>
+              <a:t>2020-02-13</a:t>
             </a:fld>
             <a:endParaRPr lang="ko-KR" altLang="en-US"/>
           </a:p>
@@ -1627,7 +1797,7 @@
           <a:p>
             <a:fld id="{F86301F8-5A19-4D53-B525-D052BC8201C6}" type="datetimeFigureOut">
               <a:rPr lang="ko-KR" altLang="en-US" smtClean="0"/>
-              <a:t>2020-02-12</a:t>
+              <a:t>2020-02-13</a:t>
             </a:fld>
             <a:endParaRPr lang="ko-KR" altLang="en-US"/>
           </a:p>
@@ -1859,7 +2029,7 @@
           <a:p>
             <a:fld id="{F86301F8-5A19-4D53-B525-D052BC8201C6}" type="datetimeFigureOut">
               <a:rPr lang="ko-KR" altLang="en-US" smtClean="0"/>
-              <a:t>2020-02-12</a:t>
+              <a:t>2020-02-13</a:t>
             </a:fld>
             <a:endParaRPr lang="ko-KR" altLang="en-US"/>
           </a:p>
@@ -2226,7 +2396,7 @@
           <a:p>
             <a:fld id="{F86301F8-5A19-4D53-B525-D052BC8201C6}" type="datetimeFigureOut">
               <a:rPr lang="ko-KR" altLang="en-US" smtClean="0"/>
-              <a:t>2020-02-12</a:t>
+              <a:t>2020-02-13</a:t>
             </a:fld>
             <a:endParaRPr lang="ko-KR" altLang="en-US"/>
           </a:p>
@@ -2344,7 +2514,7 @@
           <a:p>
             <a:fld id="{F86301F8-5A19-4D53-B525-D052BC8201C6}" type="datetimeFigureOut">
               <a:rPr lang="ko-KR" altLang="en-US" smtClean="0"/>
-              <a:t>2020-02-12</a:t>
+              <a:t>2020-02-13</a:t>
             </a:fld>
             <a:endParaRPr lang="ko-KR" altLang="en-US"/>
           </a:p>
@@ -2439,7 +2609,7 @@
           <a:p>
             <a:fld id="{F86301F8-5A19-4D53-B525-D052BC8201C6}" type="datetimeFigureOut">
               <a:rPr lang="ko-KR" altLang="en-US" smtClean="0"/>
-              <a:t>2020-02-12</a:t>
+              <a:t>2020-02-13</a:t>
             </a:fld>
             <a:endParaRPr lang="ko-KR" altLang="en-US"/>
           </a:p>
@@ -2716,7 +2886,7 @@
           <a:p>
             <a:fld id="{F86301F8-5A19-4D53-B525-D052BC8201C6}" type="datetimeFigureOut">
               <a:rPr lang="ko-KR" altLang="en-US" smtClean="0"/>
-              <a:t>2020-02-12</a:t>
+              <a:t>2020-02-13</a:t>
             </a:fld>
             <a:endParaRPr lang="ko-KR" altLang="en-US"/>
           </a:p>
@@ -2969,7 +3139,7 @@
           <a:p>
             <a:fld id="{F86301F8-5A19-4D53-B525-D052BC8201C6}" type="datetimeFigureOut">
               <a:rPr lang="ko-KR" altLang="en-US" smtClean="0"/>
-              <a:t>2020-02-12</a:t>
+              <a:t>2020-02-13</a:t>
             </a:fld>
             <a:endParaRPr lang="ko-KR" altLang="en-US"/>
           </a:p>
@@ -3182,7 +3352,7 @@
           <a:p>
             <a:fld id="{F86301F8-5A19-4D53-B525-D052BC8201C6}" type="datetimeFigureOut">
               <a:rPr lang="ko-KR" altLang="en-US" smtClean="0"/>
-              <a:t>2020-02-12</a:t>
+              <a:t>2020-02-13</a:t>
             </a:fld>
             <a:endParaRPr lang="ko-KR" altLang="en-US"/>
           </a:p>
@@ -4267,11 +4437,7 @@
             <a:pPr algn="ctr"/>
             <a:r>
               <a:rPr lang="en-US" altLang="ko-KR" dirty="0" smtClean="0"/>
-              <a:t>0</a:t>
-            </a:r>
-            <a:r>
-              <a:rPr lang="en-US" altLang="ko-KR" dirty="0" smtClean="0"/>
-              <a:t>:54~15:35</a:t>
+              <a:t>0:54~15:35</a:t>
             </a:r>
             <a:endParaRPr lang="ko-KR" altLang="en-US" dirty="0"/>
           </a:p>
@@ -4336,49 +4502,49 @@
                 <a:gridCol w="1363904">
                   <a:extLst>
                     <a:ext uri="{9D8B030D-6E8A-4147-A177-3AD203B41FA5}">
-                      <a16:colId xmlns:a16="http://schemas.microsoft.com/office/drawing/2014/main" val="3962917602"/>
+                      <a16:colId xmlns:a16="http://schemas.microsoft.com/office/drawing/2014/main" xmlns="" val="3962917602"/>
                     </a:ext>
                   </a:extLst>
                 </a:gridCol>
                 <a:gridCol w="1363904">
                   <a:extLst>
                     <a:ext uri="{9D8B030D-6E8A-4147-A177-3AD203B41FA5}">
-                      <a16:colId xmlns:a16="http://schemas.microsoft.com/office/drawing/2014/main" val="3805071553"/>
+                      <a16:colId xmlns:a16="http://schemas.microsoft.com/office/drawing/2014/main" xmlns="" val="3805071553"/>
                     </a:ext>
                   </a:extLst>
                 </a:gridCol>
                 <a:gridCol w="1363904">
                   <a:extLst>
                     <a:ext uri="{9D8B030D-6E8A-4147-A177-3AD203B41FA5}">
-                      <a16:colId xmlns:a16="http://schemas.microsoft.com/office/drawing/2014/main" val="2975047543"/>
+                      <a16:colId xmlns:a16="http://schemas.microsoft.com/office/drawing/2014/main" xmlns="" val="2975047543"/>
                     </a:ext>
                   </a:extLst>
                 </a:gridCol>
                 <a:gridCol w="1363904">
                   <a:extLst>
                     <a:ext uri="{9D8B030D-6E8A-4147-A177-3AD203B41FA5}">
-                      <a16:colId xmlns:a16="http://schemas.microsoft.com/office/drawing/2014/main" val="4013779939"/>
+                      <a16:colId xmlns:a16="http://schemas.microsoft.com/office/drawing/2014/main" xmlns="" val="4013779939"/>
                     </a:ext>
                   </a:extLst>
                 </a:gridCol>
                 <a:gridCol w="1363904">
                   <a:extLst>
                     <a:ext uri="{9D8B030D-6E8A-4147-A177-3AD203B41FA5}">
-                      <a16:colId xmlns:a16="http://schemas.microsoft.com/office/drawing/2014/main" val="1727372584"/>
+                      <a16:colId xmlns:a16="http://schemas.microsoft.com/office/drawing/2014/main" xmlns="" val="1727372584"/>
                     </a:ext>
                   </a:extLst>
                 </a:gridCol>
                 <a:gridCol w="1363904">
                   <a:extLst>
                     <a:ext uri="{9D8B030D-6E8A-4147-A177-3AD203B41FA5}">
-                      <a16:colId xmlns:a16="http://schemas.microsoft.com/office/drawing/2014/main" val="2092977944"/>
+                      <a16:colId xmlns:a16="http://schemas.microsoft.com/office/drawing/2014/main" xmlns="" val="2092977944"/>
                     </a:ext>
                   </a:extLst>
                 </a:gridCol>
                 <a:gridCol w="1363904">
                   <a:extLst>
                     <a:ext uri="{9D8B030D-6E8A-4147-A177-3AD203B41FA5}">
-                      <a16:colId xmlns:a16="http://schemas.microsoft.com/office/drawing/2014/main" val="1491384707"/>
+                      <a16:colId xmlns:a16="http://schemas.microsoft.com/office/drawing/2014/main" xmlns="" val="1491384707"/>
                     </a:ext>
                   </a:extLst>
                 </a:gridCol>
@@ -4495,7 +4661,7 @@
                 </a:tc>
                 <a:extLst>
                   <a:ext uri="{0D108BD9-81ED-4DB2-BD59-A6C34878D82A}">
-                    <a16:rowId xmlns:a16="http://schemas.microsoft.com/office/drawing/2014/main" val="1986461911"/>
+                    <a16:rowId xmlns:a16="http://schemas.microsoft.com/office/drawing/2014/main" xmlns="" val="1986461911"/>
                   </a:ext>
                 </a:extLst>
               </a:tr>
@@ -4595,7 +4761,7 @@
                 </a:tc>
                 <a:extLst>
                   <a:ext uri="{0D108BD9-81ED-4DB2-BD59-A6C34878D82A}">
-                    <a16:rowId xmlns:a16="http://schemas.microsoft.com/office/drawing/2014/main" val="3618047631"/>
+                    <a16:rowId xmlns:a16="http://schemas.microsoft.com/office/drawing/2014/main" xmlns="" val="3618047631"/>
                   </a:ext>
                 </a:extLst>
               </a:tr>
@@ -4707,7 +4873,7 @@
                 </a:tc>
                 <a:extLst>
                   <a:ext uri="{0D108BD9-81ED-4DB2-BD59-A6C34878D82A}">
-                    <a16:rowId xmlns:a16="http://schemas.microsoft.com/office/drawing/2014/main" val="2659612943"/>
+                    <a16:rowId xmlns:a16="http://schemas.microsoft.com/office/drawing/2014/main" xmlns="" val="2659612943"/>
                   </a:ext>
                 </a:extLst>
               </a:tr>
@@ -4799,7 +4965,7 @@
                 </a:tc>
                 <a:extLst>
                   <a:ext uri="{0D108BD9-81ED-4DB2-BD59-A6C34878D82A}">
-                    <a16:rowId xmlns:a16="http://schemas.microsoft.com/office/drawing/2014/main" val="3623186534"/>
+                    <a16:rowId xmlns:a16="http://schemas.microsoft.com/office/drawing/2014/main" xmlns="" val="3623186534"/>
                   </a:ext>
                 </a:extLst>
               </a:tr>
@@ -4899,7 +5065,7 @@
                 </a:tc>
                 <a:extLst>
                   <a:ext uri="{0D108BD9-81ED-4DB2-BD59-A6C34878D82A}">
-                    <a16:rowId xmlns:a16="http://schemas.microsoft.com/office/drawing/2014/main" val="1614559893"/>
+                    <a16:rowId xmlns:a16="http://schemas.microsoft.com/office/drawing/2014/main" xmlns="" val="1614559893"/>
                   </a:ext>
                 </a:extLst>
               </a:tr>
@@ -5003,7 +5169,7 @@
                 </a:tc>
                 <a:extLst>
                   <a:ext uri="{0D108BD9-81ED-4DB2-BD59-A6C34878D82A}">
-                    <a16:rowId xmlns:a16="http://schemas.microsoft.com/office/drawing/2014/main" val="2393325778"/>
+                    <a16:rowId xmlns:a16="http://schemas.microsoft.com/office/drawing/2014/main" xmlns="" val="2393325778"/>
                   </a:ext>
                 </a:extLst>
               </a:tr>
@@ -5774,11 +5940,7 @@
             <a:pPr algn="ctr"/>
             <a:r>
               <a:rPr lang="en-US" altLang="ko-KR" dirty="0" smtClean="0"/>
-              <a:t>1</a:t>
-            </a:r>
-            <a:r>
-              <a:rPr lang="en-US" altLang="ko-KR" dirty="0" smtClean="0"/>
-              <a:t>:27~4:55</a:t>
+              <a:t>1:27~4:55</a:t>
             </a:r>
             <a:endParaRPr lang="ko-KR" altLang="en-US" dirty="0"/>
           </a:p>
@@ -5843,49 +6005,49 @@
                 <a:gridCol w="1363904">
                   <a:extLst>
                     <a:ext uri="{9D8B030D-6E8A-4147-A177-3AD203B41FA5}">
-                      <a16:colId xmlns:a16="http://schemas.microsoft.com/office/drawing/2014/main" val="3962917602"/>
+                      <a16:colId xmlns:a16="http://schemas.microsoft.com/office/drawing/2014/main" xmlns="" val="3962917602"/>
                     </a:ext>
                   </a:extLst>
                 </a:gridCol>
                 <a:gridCol w="1363904">
                   <a:extLst>
                     <a:ext uri="{9D8B030D-6E8A-4147-A177-3AD203B41FA5}">
-                      <a16:colId xmlns:a16="http://schemas.microsoft.com/office/drawing/2014/main" val="3805071553"/>
+                      <a16:colId xmlns:a16="http://schemas.microsoft.com/office/drawing/2014/main" xmlns="" val="3805071553"/>
                     </a:ext>
                   </a:extLst>
                 </a:gridCol>
                 <a:gridCol w="1363904">
                   <a:extLst>
                     <a:ext uri="{9D8B030D-6E8A-4147-A177-3AD203B41FA5}">
-                      <a16:colId xmlns:a16="http://schemas.microsoft.com/office/drawing/2014/main" val="2975047543"/>
+                      <a16:colId xmlns:a16="http://schemas.microsoft.com/office/drawing/2014/main" xmlns="" val="2975047543"/>
                     </a:ext>
                   </a:extLst>
                 </a:gridCol>
                 <a:gridCol w="1363904">
                   <a:extLst>
                     <a:ext uri="{9D8B030D-6E8A-4147-A177-3AD203B41FA5}">
-                      <a16:colId xmlns:a16="http://schemas.microsoft.com/office/drawing/2014/main" val="4013779939"/>
+                      <a16:colId xmlns:a16="http://schemas.microsoft.com/office/drawing/2014/main" xmlns="" val="4013779939"/>
                     </a:ext>
                   </a:extLst>
                 </a:gridCol>
                 <a:gridCol w="1363904">
                   <a:extLst>
                     <a:ext uri="{9D8B030D-6E8A-4147-A177-3AD203B41FA5}">
-                      <a16:colId xmlns:a16="http://schemas.microsoft.com/office/drawing/2014/main" val="1727372584"/>
+                      <a16:colId xmlns:a16="http://schemas.microsoft.com/office/drawing/2014/main" xmlns="" val="1727372584"/>
                     </a:ext>
                   </a:extLst>
                 </a:gridCol>
                 <a:gridCol w="1363904">
                   <a:extLst>
                     <a:ext uri="{9D8B030D-6E8A-4147-A177-3AD203B41FA5}">
-                      <a16:colId xmlns:a16="http://schemas.microsoft.com/office/drawing/2014/main" val="2092977944"/>
+                      <a16:colId xmlns:a16="http://schemas.microsoft.com/office/drawing/2014/main" xmlns="" val="2092977944"/>
                     </a:ext>
                   </a:extLst>
                 </a:gridCol>
                 <a:gridCol w="1363904">
                   <a:extLst>
                     <a:ext uri="{9D8B030D-6E8A-4147-A177-3AD203B41FA5}">
-                      <a16:colId xmlns:a16="http://schemas.microsoft.com/office/drawing/2014/main" val="1491384707"/>
+                      <a16:colId xmlns:a16="http://schemas.microsoft.com/office/drawing/2014/main" xmlns="" val="1491384707"/>
                     </a:ext>
                   </a:extLst>
                 </a:gridCol>
@@ -6002,7 +6164,7 @@
                 </a:tc>
                 <a:extLst>
                   <a:ext uri="{0D108BD9-81ED-4DB2-BD59-A6C34878D82A}">
-                    <a16:rowId xmlns:a16="http://schemas.microsoft.com/office/drawing/2014/main" val="1986461911"/>
+                    <a16:rowId xmlns:a16="http://schemas.microsoft.com/office/drawing/2014/main" xmlns="" val="1986461911"/>
                   </a:ext>
                 </a:extLst>
               </a:tr>
@@ -6106,7 +6268,7 @@
                 </a:tc>
                 <a:extLst>
                   <a:ext uri="{0D108BD9-81ED-4DB2-BD59-A6C34878D82A}">
-                    <a16:rowId xmlns:a16="http://schemas.microsoft.com/office/drawing/2014/main" val="3618047631"/>
+                    <a16:rowId xmlns:a16="http://schemas.microsoft.com/office/drawing/2014/main" xmlns="" val="3618047631"/>
                   </a:ext>
                 </a:extLst>
               </a:tr>
@@ -6206,7 +6368,7 @@
                 </a:tc>
                 <a:extLst>
                   <a:ext uri="{0D108BD9-81ED-4DB2-BD59-A6C34878D82A}">
-                    <a16:rowId xmlns:a16="http://schemas.microsoft.com/office/drawing/2014/main" val="2659612943"/>
+                    <a16:rowId xmlns:a16="http://schemas.microsoft.com/office/drawing/2014/main" xmlns="" val="2659612943"/>
                   </a:ext>
                 </a:extLst>
               </a:tr>
@@ -6310,7 +6472,7 @@
                 </a:tc>
                 <a:extLst>
                   <a:ext uri="{0D108BD9-81ED-4DB2-BD59-A6C34878D82A}">
-                    <a16:rowId xmlns:a16="http://schemas.microsoft.com/office/drawing/2014/main" val="3623186534"/>
+                    <a16:rowId xmlns:a16="http://schemas.microsoft.com/office/drawing/2014/main" xmlns="" val="3623186534"/>
                   </a:ext>
                 </a:extLst>
               </a:tr>
@@ -6414,7 +6576,7 @@
                 </a:tc>
                 <a:extLst>
                   <a:ext uri="{0D108BD9-81ED-4DB2-BD59-A6C34878D82A}">
-                    <a16:rowId xmlns:a16="http://schemas.microsoft.com/office/drawing/2014/main" val="1614559893"/>
+                    <a16:rowId xmlns:a16="http://schemas.microsoft.com/office/drawing/2014/main" xmlns="" val="1614559893"/>
                   </a:ext>
                 </a:extLst>
               </a:tr>
@@ -6510,7 +6672,7 @@
                 </a:tc>
                 <a:extLst>
                   <a:ext uri="{0D108BD9-81ED-4DB2-BD59-A6C34878D82A}">
-                    <a16:rowId xmlns:a16="http://schemas.microsoft.com/office/drawing/2014/main" val="2393325778"/>
+                    <a16:rowId xmlns:a16="http://schemas.microsoft.com/office/drawing/2014/main" xmlns="" val="2393325778"/>
                   </a:ext>
                 </a:extLst>
               </a:tr>
@@ -6550,11 +6712,7 @@
             </a:r>
             <a:r>
               <a:rPr lang="en-US" altLang="ko-KR" dirty="0" smtClean="0"/>
-              <a:t>(</a:t>
-            </a:r>
-            <a:r>
-              <a:rPr lang="en-US" altLang="ko-KR" dirty="0" smtClean="0"/>
-              <a:t>vs</a:t>
+              <a:t>(vs</a:t>
             </a:r>
             <a:r>
               <a:rPr lang="ko-KR" altLang="en-US" dirty="0" err="1" smtClean="0"/>
@@ -7350,49 +7508,49 @@
                 <a:gridCol w="1363904">
                   <a:extLst>
                     <a:ext uri="{9D8B030D-6E8A-4147-A177-3AD203B41FA5}">
-                      <a16:colId xmlns:a16="http://schemas.microsoft.com/office/drawing/2014/main" val="3962917602"/>
+                      <a16:colId xmlns:a16="http://schemas.microsoft.com/office/drawing/2014/main" xmlns="" val="3962917602"/>
                     </a:ext>
                   </a:extLst>
                 </a:gridCol>
                 <a:gridCol w="1363904">
                   <a:extLst>
                     <a:ext uri="{9D8B030D-6E8A-4147-A177-3AD203B41FA5}">
-                      <a16:colId xmlns:a16="http://schemas.microsoft.com/office/drawing/2014/main" val="3805071553"/>
+                      <a16:colId xmlns:a16="http://schemas.microsoft.com/office/drawing/2014/main" xmlns="" val="3805071553"/>
                     </a:ext>
                   </a:extLst>
                 </a:gridCol>
                 <a:gridCol w="1363904">
                   <a:extLst>
                     <a:ext uri="{9D8B030D-6E8A-4147-A177-3AD203B41FA5}">
-                      <a16:colId xmlns:a16="http://schemas.microsoft.com/office/drawing/2014/main" val="2975047543"/>
+                      <a16:colId xmlns:a16="http://schemas.microsoft.com/office/drawing/2014/main" xmlns="" val="2975047543"/>
                     </a:ext>
                   </a:extLst>
                 </a:gridCol>
                 <a:gridCol w="1363904">
                   <a:extLst>
                     <a:ext uri="{9D8B030D-6E8A-4147-A177-3AD203B41FA5}">
-                      <a16:colId xmlns:a16="http://schemas.microsoft.com/office/drawing/2014/main" val="4013779939"/>
+                      <a16:colId xmlns:a16="http://schemas.microsoft.com/office/drawing/2014/main" xmlns="" val="4013779939"/>
                     </a:ext>
                   </a:extLst>
                 </a:gridCol>
                 <a:gridCol w="1363904">
                   <a:extLst>
                     <a:ext uri="{9D8B030D-6E8A-4147-A177-3AD203B41FA5}">
-                      <a16:colId xmlns:a16="http://schemas.microsoft.com/office/drawing/2014/main" val="1727372584"/>
+                      <a16:colId xmlns:a16="http://schemas.microsoft.com/office/drawing/2014/main" xmlns="" val="1727372584"/>
                     </a:ext>
                   </a:extLst>
                 </a:gridCol>
                 <a:gridCol w="1363904">
                   <a:extLst>
                     <a:ext uri="{9D8B030D-6E8A-4147-A177-3AD203B41FA5}">
-                      <a16:colId xmlns:a16="http://schemas.microsoft.com/office/drawing/2014/main" val="2092977944"/>
+                      <a16:colId xmlns:a16="http://schemas.microsoft.com/office/drawing/2014/main" xmlns="" val="2092977944"/>
                     </a:ext>
                   </a:extLst>
                 </a:gridCol>
                 <a:gridCol w="1363904">
                   <a:extLst>
                     <a:ext uri="{9D8B030D-6E8A-4147-A177-3AD203B41FA5}">
-                      <a16:colId xmlns:a16="http://schemas.microsoft.com/office/drawing/2014/main" val="1491384707"/>
+                      <a16:colId xmlns:a16="http://schemas.microsoft.com/office/drawing/2014/main" xmlns="" val="1491384707"/>
                     </a:ext>
                   </a:extLst>
                 </a:gridCol>
@@ -7509,7 +7667,7 @@
                 </a:tc>
                 <a:extLst>
                   <a:ext uri="{0D108BD9-81ED-4DB2-BD59-A6C34878D82A}">
-                    <a16:rowId xmlns:a16="http://schemas.microsoft.com/office/drawing/2014/main" val="1986461911"/>
+                    <a16:rowId xmlns:a16="http://schemas.microsoft.com/office/drawing/2014/main" xmlns="" val="1986461911"/>
                   </a:ext>
                 </a:extLst>
               </a:tr>
@@ -7613,7 +7771,7 @@
                 </a:tc>
                 <a:extLst>
                   <a:ext uri="{0D108BD9-81ED-4DB2-BD59-A6C34878D82A}">
-                    <a16:rowId xmlns:a16="http://schemas.microsoft.com/office/drawing/2014/main" val="3618047631"/>
+                    <a16:rowId xmlns:a16="http://schemas.microsoft.com/office/drawing/2014/main" xmlns="" val="3618047631"/>
                   </a:ext>
                 </a:extLst>
               </a:tr>
@@ -7725,7 +7883,7 @@
                 </a:tc>
                 <a:extLst>
                   <a:ext uri="{0D108BD9-81ED-4DB2-BD59-A6C34878D82A}">
-                    <a16:rowId xmlns:a16="http://schemas.microsoft.com/office/drawing/2014/main" val="2659612943"/>
+                    <a16:rowId xmlns:a16="http://schemas.microsoft.com/office/drawing/2014/main" xmlns="" val="2659612943"/>
                   </a:ext>
                 </a:extLst>
               </a:tr>
@@ -7825,7 +7983,7 @@
                 </a:tc>
                 <a:extLst>
                   <a:ext uri="{0D108BD9-81ED-4DB2-BD59-A6C34878D82A}">
-                    <a16:rowId xmlns:a16="http://schemas.microsoft.com/office/drawing/2014/main" val="3623186534"/>
+                    <a16:rowId xmlns:a16="http://schemas.microsoft.com/office/drawing/2014/main" xmlns="" val="3623186534"/>
                   </a:ext>
                 </a:extLst>
               </a:tr>
@@ -7925,7 +8083,7 @@
                 </a:tc>
                 <a:extLst>
                   <a:ext uri="{0D108BD9-81ED-4DB2-BD59-A6C34878D82A}">
-                    <a16:rowId xmlns:a16="http://schemas.microsoft.com/office/drawing/2014/main" val="1614559893"/>
+                    <a16:rowId xmlns:a16="http://schemas.microsoft.com/office/drawing/2014/main" xmlns="" val="1614559893"/>
                   </a:ext>
                 </a:extLst>
               </a:tr>
@@ -8021,7 +8179,7 @@
                 </a:tc>
                 <a:extLst>
                   <a:ext uri="{0D108BD9-81ED-4DB2-BD59-A6C34878D82A}">
-                    <a16:rowId xmlns:a16="http://schemas.microsoft.com/office/drawing/2014/main" val="2393325778"/>
+                    <a16:rowId xmlns:a16="http://schemas.microsoft.com/office/drawing/2014/main" xmlns="" val="2393325778"/>
                   </a:ext>
                 </a:extLst>
               </a:tr>
@@ -8061,11 +8219,7 @@
             </a:r>
             <a:r>
               <a:rPr lang="en-US" altLang="ko-KR" dirty="0" smtClean="0"/>
-              <a:t>(</a:t>
-            </a:r>
-            <a:r>
-              <a:rPr lang="en-US" altLang="ko-KR" dirty="0" smtClean="0"/>
-              <a:t>vs</a:t>
+              <a:t>(vs</a:t>
             </a:r>
             <a:r>
               <a:rPr lang="ko-KR" altLang="en-US" dirty="0" err="1" smtClean="0"/>
@@ -8083,6 +8237,3036 @@
     <p:extLst>
       <p:ext uri="{BB962C8B-B14F-4D97-AF65-F5344CB8AC3E}">
         <p14:creationId xmlns:p14="http://schemas.microsoft.com/office/powerpoint/2010/main" val="1769371894"/>
+      </p:ext>
+    </p:extLst>
+  </p:cSld>
+  <p:clrMapOvr>
+    <a:masterClrMapping/>
+  </p:clrMapOvr>
+  <p:timing>
+    <p:tnLst>
+      <p:par>
+        <p:cTn id="1" dur="indefinite" restart="never" nodeType="tmRoot"/>
+      </p:par>
+    </p:tnLst>
+  </p:timing>
+</p:sld>
+</file>
+
+<file path=ppt/slides/slide4.xml><?xml version="1.0" encoding="utf-8"?>
+<p:sld xmlns:a="http://schemas.openxmlformats.org/drawingml/2006/main" xmlns:r="http://schemas.openxmlformats.org/officeDocument/2006/relationships" xmlns:p="http://schemas.openxmlformats.org/presentationml/2006/main">
+  <p:cSld>
+    <p:spTree>
+      <p:nvGrpSpPr>
+        <p:cNvPr id="1" name=""/>
+        <p:cNvGrpSpPr/>
+        <p:nvPr/>
+      </p:nvGrpSpPr>
+      <p:grpSpPr>
+        <a:xfrm>
+          <a:off x="0" y="0"/>
+          <a:ext cx="0" cy="0"/>
+          <a:chOff x="0" y="0"/>
+          <a:chExt cx="0" cy="0"/>
+        </a:xfrm>
+      </p:grpSpPr>
+      <p:cxnSp>
+        <p:nvCxnSpPr>
+          <p:cNvPr id="60" name="직선 연결선 59"/>
+          <p:cNvCxnSpPr/>
+          <p:nvPr/>
+        </p:nvCxnSpPr>
+        <p:spPr>
+          <a:xfrm flipH="1">
+            <a:off x="661594" y="373977"/>
+            <a:ext cx="1" cy="418653"/>
+          </a:xfrm>
+          <a:prstGeom prst="line">
+            <a:avLst/>
+          </a:prstGeom>
+          <a:ln>
+            <a:solidFill>
+              <a:schemeClr val="tx1"/>
+            </a:solidFill>
+          </a:ln>
+        </p:spPr>
+        <p:style>
+          <a:lnRef idx="1">
+            <a:schemeClr val="accent1"/>
+          </a:lnRef>
+          <a:fillRef idx="0">
+            <a:schemeClr val="accent1"/>
+          </a:fillRef>
+          <a:effectRef idx="0">
+            <a:schemeClr val="accent1"/>
+          </a:effectRef>
+          <a:fontRef idx="minor">
+            <a:schemeClr val="tx1"/>
+          </a:fontRef>
+        </p:style>
+      </p:cxnSp>
+      <p:cxnSp>
+        <p:nvCxnSpPr>
+          <p:cNvPr id="63" name="직선 연결선 62"/>
+          <p:cNvCxnSpPr/>
+          <p:nvPr/>
+        </p:nvCxnSpPr>
+        <p:spPr>
+          <a:xfrm flipH="1">
+            <a:off x="11655910" y="373977"/>
+            <a:ext cx="1" cy="418653"/>
+          </a:xfrm>
+          <a:prstGeom prst="line">
+            <a:avLst/>
+          </a:prstGeom>
+          <a:ln>
+            <a:solidFill>
+              <a:schemeClr val="tx1"/>
+            </a:solidFill>
+          </a:ln>
+        </p:spPr>
+        <p:style>
+          <a:lnRef idx="1">
+            <a:schemeClr val="accent1"/>
+          </a:lnRef>
+          <a:fillRef idx="0">
+            <a:schemeClr val="accent1"/>
+          </a:fillRef>
+          <a:effectRef idx="0">
+            <a:schemeClr val="accent1"/>
+          </a:effectRef>
+          <a:fontRef idx="minor">
+            <a:schemeClr val="tx1"/>
+          </a:fontRef>
+        </p:style>
+      </p:cxnSp>
+      <p:cxnSp>
+        <p:nvCxnSpPr>
+          <p:cNvPr id="68" name="직선 연결선 67"/>
+          <p:cNvCxnSpPr/>
+          <p:nvPr/>
+        </p:nvCxnSpPr>
+        <p:spPr>
+          <a:xfrm flipH="1">
+            <a:off x="3646844" y="426033"/>
+            <a:ext cx="1" cy="314541"/>
+          </a:xfrm>
+          <a:prstGeom prst="line">
+            <a:avLst/>
+          </a:prstGeom>
+          <a:ln>
+            <a:solidFill>
+              <a:schemeClr val="tx1"/>
+            </a:solidFill>
+          </a:ln>
+        </p:spPr>
+        <p:style>
+          <a:lnRef idx="1">
+            <a:schemeClr val="accent1"/>
+          </a:lnRef>
+          <a:fillRef idx="0">
+            <a:schemeClr val="accent1"/>
+          </a:fillRef>
+          <a:effectRef idx="0">
+            <a:schemeClr val="accent1"/>
+          </a:effectRef>
+          <a:fontRef idx="minor">
+            <a:schemeClr val="tx1"/>
+          </a:fontRef>
+        </p:style>
+      </p:cxnSp>
+      <p:cxnSp>
+        <p:nvCxnSpPr>
+          <p:cNvPr id="69" name="직선 연결선 68"/>
+          <p:cNvCxnSpPr/>
+          <p:nvPr/>
+        </p:nvCxnSpPr>
+        <p:spPr>
+          <a:xfrm flipH="1">
+            <a:off x="8659903" y="426033"/>
+            <a:ext cx="1" cy="314541"/>
+          </a:xfrm>
+          <a:prstGeom prst="line">
+            <a:avLst/>
+          </a:prstGeom>
+          <a:ln>
+            <a:solidFill>
+              <a:schemeClr val="tx1"/>
+            </a:solidFill>
+          </a:ln>
+        </p:spPr>
+        <p:style>
+          <a:lnRef idx="1">
+            <a:schemeClr val="accent1"/>
+          </a:lnRef>
+          <a:fillRef idx="0">
+            <a:schemeClr val="accent1"/>
+          </a:fillRef>
+          <a:effectRef idx="0">
+            <a:schemeClr val="accent1"/>
+          </a:effectRef>
+          <a:fontRef idx="minor">
+            <a:schemeClr val="tx1"/>
+          </a:fontRef>
+        </p:style>
+      </p:cxnSp>
+      <p:cxnSp>
+        <p:nvCxnSpPr>
+          <p:cNvPr id="70" name="직선 연결선 69"/>
+          <p:cNvCxnSpPr/>
+          <p:nvPr/>
+        </p:nvCxnSpPr>
+        <p:spPr>
+          <a:xfrm>
+            <a:off x="650835" y="583303"/>
+            <a:ext cx="11005073" cy="0"/>
+          </a:xfrm>
+          <a:prstGeom prst="line">
+            <a:avLst/>
+          </a:prstGeom>
+          <a:ln w="3175">
+            <a:solidFill>
+              <a:schemeClr val="tx1"/>
+            </a:solidFill>
+            <a:prstDash val="dash"/>
+          </a:ln>
+        </p:spPr>
+        <p:style>
+          <a:lnRef idx="1">
+            <a:schemeClr val="accent1"/>
+          </a:lnRef>
+          <a:fillRef idx="0">
+            <a:schemeClr val="accent1"/>
+          </a:fillRef>
+          <a:effectRef idx="0">
+            <a:schemeClr val="accent1"/>
+          </a:effectRef>
+          <a:fontRef idx="minor">
+            <a:schemeClr val="tx1"/>
+          </a:fontRef>
+        </p:style>
+      </p:cxnSp>
+      <p:sp>
+        <p:nvSpPr>
+          <p:cNvPr id="71" name="TextBox 70"/>
+          <p:cNvSpPr txBox="1"/>
+          <p:nvPr/>
+        </p:nvSpPr>
+        <p:spPr>
+          <a:xfrm>
+            <a:off x="995757" y="771325"/>
+            <a:ext cx="748576" cy="307777"/>
+          </a:xfrm>
+          <a:prstGeom prst="rect">
+            <a:avLst/>
+          </a:prstGeom>
+          <a:noFill/>
+        </p:spPr>
+        <p:txBody>
+          <a:bodyPr wrap="square" rtlCol="0" anchor="ctr">
+            <a:spAutoFit/>
+          </a:bodyPr>
+          <a:lstStyle/>
+          <a:p>
+            <a:pPr algn="ctr"/>
+            <a:r>
+              <a:rPr lang="ko-KR" altLang="en-US" sz="1400" dirty="0" smtClean="0"/>
+              <a:t>진입</a:t>
+            </a:r>
+            <a:endParaRPr lang="ko-KR" altLang="en-US" sz="1400" dirty="0"/>
+          </a:p>
+        </p:txBody>
+      </p:sp>
+      <p:sp>
+        <p:nvSpPr>
+          <p:cNvPr id="72" name="TextBox 71"/>
+          <p:cNvSpPr txBox="1"/>
+          <p:nvPr/>
+        </p:nvSpPr>
+        <p:spPr>
+          <a:xfrm>
+            <a:off x="4218294" y="777394"/>
+            <a:ext cx="748576" cy="307777"/>
+          </a:xfrm>
+          <a:prstGeom prst="rect">
+            <a:avLst/>
+          </a:prstGeom>
+          <a:noFill/>
+        </p:spPr>
+        <p:txBody>
+          <a:bodyPr wrap="square" rtlCol="0" anchor="ctr">
+            <a:spAutoFit/>
+          </a:bodyPr>
+          <a:lstStyle/>
+          <a:p>
+            <a:pPr algn="ctr"/>
+            <a:r>
+              <a:rPr lang="ko-KR" altLang="en-US" sz="1400" dirty="0" smtClean="0"/>
+              <a:t>작업</a:t>
+            </a:r>
+            <a:endParaRPr lang="ko-KR" altLang="en-US" sz="1400" dirty="0"/>
+          </a:p>
+        </p:txBody>
+      </p:sp>
+      <p:sp>
+        <p:nvSpPr>
+          <p:cNvPr id="73" name="TextBox 72"/>
+          <p:cNvSpPr txBox="1"/>
+          <p:nvPr/>
+        </p:nvSpPr>
+        <p:spPr>
+          <a:xfrm>
+            <a:off x="9149201" y="780195"/>
+            <a:ext cx="748576" cy="307777"/>
+          </a:xfrm>
+          <a:prstGeom prst="rect">
+            <a:avLst/>
+          </a:prstGeom>
+          <a:noFill/>
+        </p:spPr>
+        <p:txBody>
+          <a:bodyPr wrap="square" rtlCol="0" anchor="ctr">
+            <a:spAutoFit/>
+          </a:bodyPr>
+          <a:lstStyle/>
+          <a:p>
+            <a:pPr algn="ctr"/>
+            <a:r>
+              <a:rPr lang="ko-KR" altLang="en-US" sz="1400" dirty="0" smtClean="0"/>
+              <a:t>희생</a:t>
+            </a:r>
+            <a:endParaRPr lang="ko-KR" altLang="en-US" sz="1400" dirty="0"/>
+          </a:p>
+        </p:txBody>
+      </p:sp>
+      <p:sp>
+        <p:nvSpPr>
+          <p:cNvPr id="76" name="TextBox 75"/>
+          <p:cNvSpPr txBox="1"/>
+          <p:nvPr/>
+        </p:nvSpPr>
+        <p:spPr>
+          <a:xfrm>
+            <a:off x="2568850" y="771325"/>
+            <a:ext cx="748576" cy="307777"/>
+          </a:xfrm>
+          <a:prstGeom prst="rect">
+            <a:avLst/>
+          </a:prstGeom>
+          <a:noFill/>
+        </p:spPr>
+        <p:txBody>
+          <a:bodyPr wrap="square" rtlCol="0" anchor="ctr">
+            <a:spAutoFit/>
+          </a:bodyPr>
+          <a:lstStyle/>
+          <a:p>
+            <a:pPr algn="ctr"/>
+            <a:r>
+              <a:rPr lang="ko-KR" altLang="en-US" sz="1400" dirty="0" smtClean="0"/>
+              <a:t>적응</a:t>
+            </a:r>
+            <a:endParaRPr lang="ko-KR" altLang="en-US" sz="1400" dirty="0"/>
+          </a:p>
+        </p:txBody>
+      </p:sp>
+      <p:sp>
+        <p:nvSpPr>
+          <p:cNvPr id="77" name="TextBox 76"/>
+          <p:cNvSpPr txBox="1"/>
+          <p:nvPr/>
+        </p:nvSpPr>
+        <p:spPr>
+          <a:xfrm>
+            <a:off x="5906022" y="790142"/>
+            <a:ext cx="748576" cy="307777"/>
+          </a:xfrm>
+          <a:prstGeom prst="rect">
+            <a:avLst/>
+          </a:prstGeom>
+          <a:noFill/>
+        </p:spPr>
+        <p:txBody>
+          <a:bodyPr wrap="square" rtlCol="0" anchor="ctr">
+            <a:spAutoFit/>
+          </a:bodyPr>
+          <a:lstStyle/>
+          <a:p>
+            <a:pPr algn="ctr"/>
+            <a:r>
+              <a:rPr lang="ko-KR" altLang="en-US" sz="1400" dirty="0" smtClean="0"/>
+              <a:t>도주</a:t>
+            </a:r>
+            <a:endParaRPr lang="ko-KR" altLang="en-US" sz="1400" dirty="0"/>
+          </a:p>
+        </p:txBody>
+      </p:sp>
+      <p:sp>
+        <p:nvSpPr>
+          <p:cNvPr id="78" name="TextBox 77"/>
+          <p:cNvSpPr txBox="1"/>
+          <p:nvPr/>
+        </p:nvSpPr>
+        <p:spPr>
+          <a:xfrm>
+            <a:off x="7436792" y="771751"/>
+            <a:ext cx="887872" cy="307777"/>
+          </a:xfrm>
+          <a:prstGeom prst="rect">
+            <a:avLst/>
+          </a:prstGeom>
+          <a:noFill/>
+        </p:spPr>
+        <p:txBody>
+          <a:bodyPr wrap="square" rtlCol="0" anchor="ctr">
+            <a:spAutoFit/>
+          </a:bodyPr>
+          <a:lstStyle/>
+          <a:p>
+            <a:pPr algn="ctr"/>
+            <a:r>
+              <a:rPr lang="ko-KR" altLang="en-US" sz="1400" dirty="0" smtClean="0"/>
+              <a:t>갈고리</a:t>
+            </a:r>
+            <a:endParaRPr lang="ko-KR" altLang="en-US" sz="1400" dirty="0"/>
+          </a:p>
+        </p:txBody>
+      </p:sp>
+      <p:sp>
+        <p:nvSpPr>
+          <p:cNvPr id="79" name="TextBox 78"/>
+          <p:cNvSpPr txBox="1"/>
+          <p:nvPr/>
+        </p:nvSpPr>
+        <p:spPr>
+          <a:xfrm>
+            <a:off x="10402319" y="787147"/>
+            <a:ext cx="748576" cy="307777"/>
+          </a:xfrm>
+          <a:prstGeom prst="rect">
+            <a:avLst/>
+          </a:prstGeom>
+          <a:noFill/>
+        </p:spPr>
+        <p:txBody>
+          <a:bodyPr wrap="square" rtlCol="0" anchor="ctr">
+            <a:spAutoFit/>
+          </a:bodyPr>
+          <a:lstStyle/>
+          <a:p>
+            <a:pPr algn="ctr"/>
+            <a:r>
+              <a:rPr lang="ko-KR" altLang="en-US" sz="1400" dirty="0" smtClean="0"/>
+              <a:t>탈출</a:t>
+            </a:r>
+            <a:endParaRPr lang="ko-KR" altLang="en-US" sz="1400" dirty="0"/>
+          </a:p>
+        </p:txBody>
+      </p:sp>
+      <p:cxnSp>
+        <p:nvCxnSpPr>
+          <p:cNvPr id="80" name="직선 연결선 79"/>
+          <p:cNvCxnSpPr/>
+          <p:nvPr/>
+        </p:nvCxnSpPr>
+        <p:spPr>
+          <a:xfrm flipH="1">
+            <a:off x="2129781" y="509936"/>
+            <a:ext cx="1" cy="146735"/>
+          </a:xfrm>
+          <a:prstGeom prst="line">
+            <a:avLst/>
+          </a:prstGeom>
+          <a:ln>
+            <a:solidFill>
+              <a:schemeClr val="tx1"/>
+            </a:solidFill>
+          </a:ln>
+        </p:spPr>
+        <p:style>
+          <a:lnRef idx="1">
+            <a:schemeClr val="accent1"/>
+          </a:lnRef>
+          <a:fillRef idx="0">
+            <a:schemeClr val="accent1"/>
+          </a:fillRef>
+          <a:effectRef idx="0">
+            <a:schemeClr val="accent1"/>
+          </a:effectRef>
+          <a:fontRef idx="minor">
+            <a:schemeClr val="tx1"/>
+          </a:fontRef>
+        </p:style>
+      </p:cxnSp>
+      <p:sp>
+        <p:nvSpPr>
+          <p:cNvPr id="81" name="TextBox 80"/>
+          <p:cNvSpPr txBox="1"/>
+          <p:nvPr/>
+        </p:nvSpPr>
+        <p:spPr>
+          <a:xfrm>
+            <a:off x="9975163" y="875534"/>
+            <a:ext cx="415687" cy="307777"/>
+          </a:xfrm>
+          <a:prstGeom prst="rect">
+            <a:avLst/>
+          </a:prstGeom>
+          <a:noFill/>
+        </p:spPr>
+        <p:txBody>
+          <a:bodyPr wrap="square" rtlCol="0" anchor="ctr">
+            <a:spAutoFit/>
+          </a:bodyPr>
+          <a:lstStyle/>
+          <a:p>
+            <a:pPr algn="ctr"/>
+            <a:r>
+              <a:rPr lang="en-US" altLang="ko-KR" sz="1400" dirty="0" smtClean="0"/>
+              <a:t>or</a:t>
+            </a:r>
+            <a:endParaRPr lang="ko-KR" altLang="en-US" sz="1400" dirty="0"/>
+          </a:p>
+        </p:txBody>
+      </p:sp>
+      <p:cxnSp>
+        <p:nvCxnSpPr>
+          <p:cNvPr id="82" name="직선 연결선 81"/>
+          <p:cNvCxnSpPr/>
+          <p:nvPr/>
+        </p:nvCxnSpPr>
+        <p:spPr>
+          <a:xfrm flipH="1">
+            <a:off x="5443136" y="509936"/>
+            <a:ext cx="1" cy="146735"/>
+          </a:xfrm>
+          <a:prstGeom prst="line">
+            <a:avLst/>
+          </a:prstGeom>
+          <a:ln>
+            <a:solidFill>
+              <a:schemeClr val="tx1"/>
+            </a:solidFill>
+            <a:prstDash val="dash"/>
+          </a:ln>
+        </p:spPr>
+        <p:style>
+          <a:lnRef idx="1">
+            <a:schemeClr val="accent1"/>
+          </a:lnRef>
+          <a:fillRef idx="0">
+            <a:schemeClr val="accent1"/>
+          </a:fillRef>
+          <a:effectRef idx="0">
+            <a:schemeClr val="accent1"/>
+          </a:effectRef>
+          <a:fontRef idx="minor">
+            <a:schemeClr val="tx1"/>
+          </a:fontRef>
+        </p:style>
+      </p:cxnSp>
+      <p:cxnSp>
+        <p:nvCxnSpPr>
+          <p:cNvPr id="83" name="직선 연결선 82"/>
+          <p:cNvCxnSpPr/>
+          <p:nvPr/>
+        </p:nvCxnSpPr>
+        <p:spPr>
+          <a:xfrm flipH="1">
+            <a:off x="6973906" y="509936"/>
+            <a:ext cx="1" cy="146735"/>
+          </a:xfrm>
+          <a:prstGeom prst="line">
+            <a:avLst/>
+          </a:prstGeom>
+          <a:ln>
+            <a:solidFill>
+              <a:schemeClr val="tx1"/>
+            </a:solidFill>
+            <a:prstDash val="dash"/>
+          </a:ln>
+        </p:spPr>
+        <p:style>
+          <a:lnRef idx="1">
+            <a:schemeClr val="accent1"/>
+          </a:lnRef>
+          <a:fillRef idx="0">
+            <a:schemeClr val="accent1"/>
+          </a:fillRef>
+          <a:effectRef idx="0">
+            <a:schemeClr val="accent1"/>
+          </a:effectRef>
+          <a:fontRef idx="minor">
+            <a:schemeClr val="tx1"/>
+          </a:fontRef>
+        </p:style>
+      </p:cxnSp>
+      <p:sp>
+        <p:nvSpPr>
+          <p:cNvPr id="84" name="TextBox 83"/>
+          <p:cNvSpPr txBox="1"/>
+          <p:nvPr/>
+        </p:nvSpPr>
+        <p:spPr>
+          <a:xfrm>
+            <a:off x="5191645" y="768750"/>
+            <a:ext cx="502982" cy="523220"/>
+          </a:xfrm>
+          <a:prstGeom prst="rect">
+            <a:avLst/>
+          </a:prstGeom>
+          <a:noFill/>
+        </p:spPr>
+        <p:txBody>
+          <a:bodyPr wrap="square" rtlCol="0" anchor="ctr">
+            <a:spAutoFit/>
+          </a:bodyPr>
+          <a:lstStyle/>
+          <a:p>
+            <a:pPr algn="ctr"/>
+            <a:r>
+              <a:rPr lang="en-US" altLang="ko-KR" sz="1400" dirty="0" smtClean="0"/>
+              <a:t>and</a:t>
+            </a:r>
+            <a:endParaRPr lang="ko-KR" altLang="en-US" sz="1400" dirty="0"/>
+          </a:p>
+        </p:txBody>
+      </p:sp>
+      <p:sp>
+        <p:nvSpPr>
+          <p:cNvPr id="85" name="TextBox 84"/>
+          <p:cNvSpPr txBox="1"/>
+          <p:nvPr/>
+        </p:nvSpPr>
+        <p:spPr>
+          <a:xfrm>
+            <a:off x="6722415" y="768750"/>
+            <a:ext cx="502982" cy="523220"/>
+          </a:xfrm>
+          <a:prstGeom prst="rect">
+            <a:avLst/>
+          </a:prstGeom>
+          <a:noFill/>
+        </p:spPr>
+        <p:txBody>
+          <a:bodyPr wrap="square" rtlCol="0" anchor="ctr">
+            <a:spAutoFit/>
+          </a:bodyPr>
+          <a:lstStyle/>
+          <a:p>
+            <a:pPr algn="ctr"/>
+            <a:r>
+              <a:rPr lang="en-US" altLang="ko-KR" sz="1400" dirty="0" smtClean="0"/>
+              <a:t>and</a:t>
+            </a:r>
+            <a:endParaRPr lang="ko-KR" altLang="en-US" sz="1400" dirty="0"/>
+          </a:p>
+        </p:txBody>
+      </p:sp>
+      <p:sp>
+        <p:nvSpPr>
+          <p:cNvPr id="3" name="TextBox 2"/>
+          <p:cNvSpPr txBox="1"/>
+          <p:nvPr/>
+        </p:nvSpPr>
+        <p:spPr>
+          <a:xfrm>
+            <a:off x="712823" y="1094924"/>
+            <a:ext cx="1314443" cy="369332"/>
+          </a:xfrm>
+          <a:prstGeom prst="rect">
+            <a:avLst/>
+          </a:prstGeom>
+          <a:noFill/>
+        </p:spPr>
+        <p:txBody>
+          <a:bodyPr wrap="square" rtlCol="0">
+            <a:spAutoFit/>
+          </a:bodyPr>
+          <a:lstStyle/>
+          <a:p>
+            <a:pPr algn="ctr"/>
+            <a:r>
+              <a:rPr lang="en-US" altLang="ko-KR" dirty="0" smtClean="0"/>
+              <a:t>0:05~1:03</a:t>
+            </a:r>
+            <a:endParaRPr lang="ko-KR" altLang="en-US" dirty="0"/>
+          </a:p>
+        </p:txBody>
+      </p:sp>
+      <p:sp>
+        <p:nvSpPr>
+          <p:cNvPr id="22" name="TextBox 21"/>
+          <p:cNvSpPr txBox="1"/>
+          <p:nvPr/>
+        </p:nvSpPr>
+        <p:spPr>
+          <a:xfrm>
+            <a:off x="2271097" y="1094924"/>
+            <a:ext cx="1314443" cy="369332"/>
+          </a:xfrm>
+          <a:prstGeom prst="rect">
+            <a:avLst/>
+          </a:prstGeom>
+          <a:noFill/>
+        </p:spPr>
+        <p:txBody>
+          <a:bodyPr wrap="square" rtlCol="0">
+            <a:spAutoFit/>
+          </a:bodyPr>
+          <a:lstStyle/>
+          <a:p>
+            <a:pPr algn="ctr"/>
+            <a:r>
+              <a:rPr lang="en-US" altLang="ko-KR" dirty="0" smtClean="0"/>
+              <a:t>1:</a:t>
+            </a:r>
+            <a:r>
+              <a:rPr lang="en-US" altLang="ko-KR" dirty="0" smtClean="0"/>
+              <a:t>04~1:20</a:t>
+            </a:r>
+            <a:endParaRPr lang="ko-KR" altLang="en-US" dirty="0"/>
+          </a:p>
+        </p:txBody>
+      </p:sp>
+      <p:sp>
+        <p:nvSpPr>
+          <p:cNvPr id="23" name="TextBox 22"/>
+          <p:cNvSpPr txBox="1"/>
+          <p:nvPr/>
+        </p:nvSpPr>
+        <p:spPr>
+          <a:xfrm>
+            <a:off x="5536451" y="1094924"/>
+            <a:ext cx="1487717" cy="369332"/>
+          </a:xfrm>
+          <a:prstGeom prst="rect">
+            <a:avLst/>
+          </a:prstGeom>
+          <a:noFill/>
+        </p:spPr>
+        <p:txBody>
+          <a:bodyPr wrap="square" rtlCol="0">
+            <a:spAutoFit/>
+          </a:bodyPr>
+          <a:lstStyle/>
+          <a:p>
+            <a:pPr algn="ctr"/>
+            <a:r>
+              <a:rPr lang="en-US" altLang="ko-KR" dirty="0" smtClean="0"/>
+              <a:t>1</a:t>
+            </a:r>
+            <a:r>
+              <a:rPr lang="en-US" altLang="ko-KR" dirty="0" smtClean="0"/>
+              <a:t>:21~9:08</a:t>
+            </a:r>
+            <a:endParaRPr lang="ko-KR" altLang="en-US" dirty="0"/>
+          </a:p>
+        </p:txBody>
+      </p:sp>
+      <p:sp>
+        <p:nvSpPr>
+          <p:cNvPr id="24" name="TextBox 23"/>
+          <p:cNvSpPr txBox="1"/>
+          <p:nvPr/>
+        </p:nvSpPr>
+        <p:spPr>
+          <a:xfrm>
+            <a:off x="9439147" y="1094924"/>
+            <a:ext cx="1487717" cy="369332"/>
+          </a:xfrm>
+          <a:prstGeom prst="rect">
+            <a:avLst/>
+          </a:prstGeom>
+          <a:noFill/>
+        </p:spPr>
+        <p:txBody>
+          <a:bodyPr wrap="square" rtlCol="0">
+            <a:spAutoFit/>
+          </a:bodyPr>
+          <a:lstStyle/>
+          <a:p>
+            <a:pPr algn="ctr"/>
+            <a:r>
+              <a:rPr lang="en-US" altLang="ko-KR" dirty="0" smtClean="0"/>
+              <a:t>9:09~10:50</a:t>
+            </a:r>
+            <a:endParaRPr lang="ko-KR" altLang="en-US" dirty="0"/>
+          </a:p>
+        </p:txBody>
+      </p:sp>
+      <p:graphicFrame>
+        <p:nvGraphicFramePr>
+          <p:cNvPr id="4" name="표 3"/>
+          <p:cNvGraphicFramePr>
+            <a:graphicFrameLocks noGrp="1"/>
+          </p:cNvGraphicFramePr>
+          <p:nvPr>
+            <p:extLst>
+              <p:ext uri="{D42A27DB-BD31-4B8C-83A1-F6EECF244321}">
+                <p14:modId xmlns:p14="http://schemas.microsoft.com/office/powerpoint/2010/main" val="3305550438"/>
+              </p:ext>
+            </p:extLst>
+          </p:nvPr>
+        </p:nvGraphicFramePr>
+        <p:xfrm>
+          <a:off x="1370044" y="2577421"/>
+          <a:ext cx="9547328" cy="2225040"/>
+        </p:xfrm>
+        <a:graphic>
+          <a:graphicData uri="http://schemas.openxmlformats.org/drawingml/2006/table">
+            <a:tbl>
+              <a:tblPr firstRow="1" bandRow="1">
+                <a:tableStyleId>{5940675A-B579-460E-94D1-54222C63F5DA}</a:tableStyleId>
+              </a:tblPr>
+              <a:tblGrid>
+                <a:gridCol w="1363904">
+                  <a:extLst>
+                    <a:ext uri="{9D8B030D-6E8A-4147-A177-3AD203B41FA5}">
+                      <a16:colId xmlns:a16="http://schemas.microsoft.com/office/drawing/2014/main" xmlns="" val="3962917602"/>
+                    </a:ext>
+                  </a:extLst>
+                </a:gridCol>
+                <a:gridCol w="1363904">
+                  <a:extLst>
+                    <a:ext uri="{9D8B030D-6E8A-4147-A177-3AD203B41FA5}">
+                      <a16:colId xmlns:a16="http://schemas.microsoft.com/office/drawing/2014/main" xmlns="" val="3805071553"/>
+                    </a:ext>
+                  </a:extLst>
+                </a:gridCol>
+                <a:gridCol w="1363904">
+                  <a:extLst>
+                    <a:ext uri="{9D8B030D-6E8A-4147-A177-3AD203B41FA5}">
+                      <a16:colId xmlns:a16="http://schemas.microsoft.com/office/drawing/2014/main" xmlns="" val="2975047543"/>
+                    </a:ext>
+                  </a:extLst>
+                </a:gridCol>
+                <a:gridCol w="1363904">
+                  <a:extLst>
+                    <a:ext uri="{9D8B030D-6E8A-4147-A177-3AD203B41FA5}">
+                      <a16:colId xmlns:a16="http://schemas.microsoft.com/office/drawing/2014/main" xmlns="" val="4013779939"/>
+                    </a:ext>
+                  </a:extLst>
+                </a:gridCol>
+                <a:gridCol w="1363904">
+                  <a:extLst>
+                    <a:ext uri="{9D8B030D-6E8A-4147-A177-3AD203B41FA5}">
+                      <a16:colId xmlns:a16="http://schemas.microsoft.com/office/drawing/2014/main" xmlns="" val="1727372584"/>
+                    </a:ext>
+                  </a:extLst>
+                </a:gridCol>
+                <a:gridCol w="1363904">
+                  <a:extLst>
+                    <a:ext uri="{9D8B030D-6E8A-4147-A177-3AD203B41FA5}">
+                      <a16:colId xmlns:a16="http://schemas.microsoft.com/office/drawing/2014/main" xmlns="" val="2092977944"/>
+                    </a:ext>
+                  </a:extLst>
+                </a:gridCol>
+                <a:gridCol w="1363904">
+                  <a:extLst>
+                    <a:ext uri="{9D8B030D-6E8A-4147-A177-3AD203B41FA5}">
+                      <a16:colId xmlns:a16="http://schemas.microsoft.com/office/drawing/2014/main" xmlns="" val="1491384707"/>
+                    </a:ext>
+                  </a:extLst>
+                </a:gridCol>
+              </a:tblGrid>
+              <a:tr h="370840">
+                <a:tc>
+                  <a:txBody>
+                    <a:bodyPr/>
+                    <a:lstStyle/>
+                    <a:p>
+                      <a:pPr algn="ctr" latinLnBrk="1"/>
+                      <a:endParaRPr lang="ko-KR" altLang="en-US" dirty="0"/>
+                    </a:p>
+                  </a:txBody>
+                  <a:tcPr/>
+                </a:tc>
+                <a:tc>
+                  <a:txBody>
+                    <a:bodyPr/>
+                    <a:lstStyle/>
+                    <a:p>
+                      <a:pPr algn="ctr" latinLnBrk="1"/>
+                      <a:r>
+                        <a:rPr lang="ko-KR" altLang="en-US" dirty="0" smtClean="0"/>
+                        <a:t>진입</a:t>
+                      </a:r>
+                      <a:endParaRPr lang="ko-KR" altLang="en-US" dirty="0"/>
+                    </a:p>
+                  </a:txBody>
+                  <a:tcPr/>
+                </a:tc>
+                <a:tc>
+                  <a:txBody>
+                    <a:bodyPr/>
+                    <a:lstStyle/>
+                    <a:p>
+                      <a:pPr algn="ctr" latinLnBrk="1"/>
+                      <a:r>
+                        <a:rPr lang="ko-KR" altLang="en-US" dirty="0" smtClean="0"/>
+                        <a:t>적응</a:t>
+                      </a:r>
+                      <a:endParaRPr lang="ko-KR" altLang="en-US" dirty="0"/>
+                    </a:p>
+                  </a:txBody>
+                  <a:tcPr/>
+                </a:tc>
+                <a:tc>
+                  <a:txBody>
+                    <a:bodyPr/>
+                    <a:lstStyle/>
+                    <a:p>
+                      <a:pPr algn="ctr" latinLnBrk="1"/>
+                      <a:r>
+                        <a:rPr lang="ko-KR" altLang="en-US" dirty="0" smtClean="0"/>
+                        <a:t>작업</a:t>
+                      </a:r>
+                      <a:endParaRPr lang="ko-KR" altLang="en-US" dirty="0"/>
+                    </a:p>
+                  </a:txBody>
+                  <a:tcPr/>
+                </a:tc>
+                <a:tc>
+                  <a:txBody>
+                    <a:bodyPr/>
+                    <a:lstStyle/>
+                    <a:p>
+                      <a:pPr algn="ctr" latinLnBrk="1"/>
+                      <a:r>
+                        <a:rPr lang="ko-KR" altLang="en-US" dirty="0" smtClean="0"/>
+                        <a:t>도주</a:t>
+                      </a:r>
+                      <a:endParaRPr lang="ko-KR" altLang="en-US" dirty="0"/>
+                    </a:p>
+                  </a:txBody>
+                  <a:tcPr/>
+                </a:tc>
+                <a:tc>
+                  <a:txBody>
+                    <a:bodyPr/>
+                    <a:lstStyle/>
+                    <a:p>
+                      <a:pPr algn="ctr" latinLnBrk="1"/>
+                      <a:r>
+                        <a:rPr lang="ko-KR" altLang="en-US" dirty="0" smtClean="0"/>
+                        <a:t>갈고리</a:t>
+                      </a:r>
+                      <a:endParaRPr lang="ko-KR" altLang="en-US" dirty="0"/>
+                    </a:p>
+                  </a:txBody>
+                  <a:tcPr/>
+                </a:tc>
+                <a:tc>
+                  <a:txBody>
+                    <a:bodyPr/>
+                    <a:lstStyle/>
+                    <a:p>
+                      <a:pPr algn="ctr" latinLnBrk="1"/>
+                      <a:r>
+                        <a:rPr lang="ko-KR" altLang="en-US" dirty="0" smtClean="0"/>
+                        <a:t>희생</a:t>
+                      </a:r>
+                      <a:r>
+                        <a:rPr lang="en-US" altLang="ko-KR" dirty="0" smtClean="0"/>
+                        <a:t>/</a:t>
+                      </a:r>
+                      <a:r>
+                        <a:rPr lang="ko-KR" altLang="en-US" dirty="0" smtClean="0"/>
+                        <a:t>탈출</a:t>
+                      </a:r>
+                      <a:endParaRPr lang="ko-KR" altLang="en-US" dirty="0"/>
+                    </a:p>
+                  </a:txBody>
+                  <a:tcPr/>
+                </a:tc>
+                <a:extLst>
+                  <a:ext uri="{0D108BD9-81ED-4DB2-BD59-A6C34878D82A}">
+                    <a16:rowId xmlns:a16="http://schemas.microsoft.com/office/drawing/2014/main" xmlns="" val="1986461911"/>
+                  </a:ext>
+                </a:extLst>
+              </a:tr>
+              <a:tr h="370840">
+                <a:tc>
+                  <a:txBody>
+                    <a:bodyPr/>
+                    <a:lstStyle/>
+                    <a:p>
+                      <a:pPr algn="ctr" latinLnBrk="1"/>
+                      <a:r>
+                        <a:rPr lang="ko-KR" altLang="en-US" dirty="0" smtClean="0"/>
+                        <a:t>해설</a:t>
+                      </a:r>
+                      <a:endParaRPr lang="en-US" altLang="ko-KR" dirty="0" smtClean="0"/>
+                    </a:p>
+                  </a:txBody>
+                  <a:tcPr/>
+                </a:tc>
+                <a:tc>
+                  <a:txBody>
+                    <a:bodyPr/>
+                    <a:lstStyle/>
+                    <a:p>
+                      <a:pPr algn="ctr" latinLnBrk="1"/>
+                      <a:endParaRPr lang="ko-KR" altLang="en-US" dirty="0"/>
+                    </a:p>
+                  </a:txBody>
+                  <a:tcPr/>
+                </a:tc>
+                <a:tc>
+                  <a:txBody>
+                    <a:bodyPr/>
+                    <a:lstStyle/>
+                    <a:p>
+                      <a:pPr algn="ctr" latinLnBrk="1"/>
+                      <a:r>
+                        <a:rPr lang="en-US" altLang="ko-KR" dirty="0" smtClean="0"/>
+                        <a:t>1</a:t>
+                      </a:r>
+                      <a:endParaRPr lang="ko-KR" altLang="en-US" dirty="0"/>
+                    </a:p>
+                  </a:txBody>
+                  <a:tcPr/>
+                </a:tc>
+                <a:tc>
+                  <a:txBody>
+                    <a:bodyPr/>
+                    <a:lstStyle/>
+                    <a:p>
+                      <a:pPr algn="ctr" latinLnBrk="1"/>
+                      <a:r>
+                        <a:rPr lang="en-US" altLang="ko-KR" dirty="0" smtClean="0"/>
+                        <a:t>10</a:t>
+                      </a:r>
+                      <a:endParaRPr lang="ko-KR" altLang="en-US" dirty="0"/>
+                    </a:p>
+                  </a:txBody>
+                  <a:tcPr/>
+                </a:tc>
+                <a:tc>
+                  <a:txBody>
+                    <a:bodyPr/>
+                    <a:lstStyle/>
+                    <a:p>
+                      <a:pPr algn="ctr" latinLnBrk="1"/>
+                      <a:r>
+                        <a:rPr lang="en-US" altLang="ko-KR" dirty="0" smtClean="0"/>
+                        <a:t>5</a:t>
+                      </a:r>
+                      <a:endParaRPr lang="ko-KR" altLang="en-US" dirty="0"/>
+                    </a:p>
+                  </a:txBody>
+                  <a:tcPr/>
+                </a:tc>
+                <a:tc>
+                  <a:txBody>
+                    <a:bodyPr/>
+                    <a:lstStyle/>
+                    <a:p>
+                      <a:pPr algn="ctr" latinLnBrk="1"/>
+                      <a:r>
+                        <a:rPr lang="en-US" altLang="ko-KR" dirty="0" smtClean="0"/>
+                        <a:t>4</a:t>
+                      </a:r>
+                      <a:endParaRPr lang="ko-KR" altLang="en-US" dirty="0"/>
+                    </a:p>
+                  </a:txBody>
+                  <a:tcPr/>
+                </a:tc>
+                <a:tc>
+                  <a:txBody>
+                    <a:bodyPr/>
+                    <a:lstStyle/>
+                    <a:p>
+                      <a:pPr algn="ctr" latinLnBrk="1"/>
+                      <a:r>
+                        <a:rPr lang="en-US" altLang="ko-KR" dirty="0" smtClean="0"/>
+                        <a:t>5</a:t>
+                      </a:r>
+                      <a:endParaRPr lang="ko-KR" altLang="en-US" dirty="0"/>
+                    </a:p>
+                  </a:txBody>
+                  <a:tcPr/>
+                </a:tc>
+                <a:extLst>
+                  <a:ext uri="{0D108BD9-81ED-4DB2-BD59-A6C34878D82A}">
+                    <a16:rowId xmlns:a16="http://schemas.microsoft.com/office/drawing/2014/main" xmlns="" val="3618047631"/>
+                  </a:ext>
+                </a:extLst>
+              </a:tr>
+              <a:tr h="370840">
+                <a:tc>
+                  <a:txBody>
+                    <a:bodyPr/>
+                    <a:lstStyle/>
+                    <a:p>
+                      <a:pPr algn="ctr" latinLnBrk="1"/>
+                      <a:r>
+                        <a:rPr lang="ko-KR" altLang="en-US" dirty="0" smtClean="0"/>
+                        <a:t>소통</a:t>
+                      </a:r>
+                      <a:endParaRPr lang="ko-KR" altLang="en-US" dirty="0"/>
+                    </a:p>
+                  </a:txBody>
+                  <a:tcPr/>
+                </a:tc>
+                <a:tc>
+                  <a:txBody>
+                    <a:bodyPr/>
+                    <a:lstStyle/>
+                    <a:p>
+                      <a:pPr algn="ctr" latinLnBrk="1"/>
+                      <a:r>
+                        <a:rPr lang="en-US" altLang="ko-KR" dirty="0" smtClean="0"/>
+                        <a:t>2</a:t>
+                      </a:r>
+                      <a:endParaRPr lang="ko-KR" altLang="en-US" dirty="0"/>
+                    </a:p>
+                  </a:txBody>
+                  <a:tcPr/>
+                </a:tc>
+                <a:tc>
+                  <a:txBody>
+                    <a:bodyPr/>
+                    <a:lstStyle/>
+                    <a:p>
+                      <a:pPr algn="ctr" latinLnBrk="1"/>
+                      <a:r>
+                        <a:rPr lang="en-US" altLang="ko-KR" dirty="0" smtClean="0"/>
+                        <a:t>1</a:t>
+                      </a:r>
+                      <a:endParaRPr lang="ko-KR" altLang="en-US" dirty="0"/>
+                    </a:p>
+                  </a:txBody>
+                  <a:tcPr/>
+                </a:tc>
+                <a:tc>
+                  <a:txBody>
+                    <a:bodyPr/>
+                    <a:lstStyle/>
+                    <a:p>
+                      <a:pPr algn="ctr" latinLnBrk="1"/>
+                      <a:r>
+                        <a:rPr lang="en-US" altLang="ko-KR" dirty="0" smtClean="0"/>
+                        <a:t>4</a:t>
+                      </a:r>
+                      <a:endParaRPr lang="ko-KR" altLang="en-US" dirty="0"/>
+                    </a:p>
+                  </a:txBody>
+                  <a:tcPr/>
+                </a:tc>
+                <a:tc>
+                  <a:txBody>
+                    <a:bodyPr/>
+                    <a:lstStyle/>
+                    <a:p>
+                      <a:pPr algn="ctr" latinLnBrk="1"/>
+                      <a:endParaRPr lang="ko-KR" altLang="en-US" dirty="0"/>
+                    </a:p>
+                  </a:txBody>
+                  <a:tcPr/>
+                </a:tc>
+                <a:tc>
+                  <a:txBody>
+                    <a:bodyPr/>
+                    <a:lstStyle/>
+                    <a:p>
+                      <a:pPr algn="ctr" latinLnBrk="1"/>
+                      <a:r>
+                        <a:rPr lang="en-US" altLang="ko-KR" dirty="0" smtClean="0"/>
+                        <a:t>1</a:t>
+                      </a:r>
+                      <a:endParaRPr lang="ko-KR" altLang="en-US" dirty="0"/>
+                    </a:p>
+                  </a:txBody>
+                  <a:tcPr/>
+                </a:tc>
+                <a:tc>
+                  <a:txBody>
+                    <a:bodyPr/>
+                    <a:lstStyle/>
+                    <a:p>
+                      <a:pPr algn="ctr" latinLnBrk="1"/>
+                      <a:r>
+                        <a:rPr lang="en-US" altLang="ko-KR" dirty="0" smtClean="0"/>
+                        <a:t>1</a:t>
+                      </a:r>
+                      <a:endParaRPr lang="ko-KR" altLang="en-US" dirty="0"/>
+                    </a:p>
+                  </a:txBody>
+                  <a:tcPr/>
+                </a:tc>
+                <a:extLst>
+                  <a:ext uri="{0D108BD9-81ED-4DB2-BD59-A6C34878D82A}">
+                    <a16:rowId xmlns:a16="http://schemas.microsoft.com/office/drawing/2014/main" xmlns="" val="2659612943"/>
+                  </a:ext>
+                </a:extLst>
+              </a:tr>
+              <a:tr h="370840">
+                <a:tc>
+                  <a:txBody>
+                    <a:bodyPr/>
+                    <a:lstStyle/>
+                    <a:p>
+                      <a:pPr algn="ctr" latinLnBrk="1"/>
+                      <a:r>
+                        <a:rPr lang="ko-KR" altLang="en-US" dirty="0" smtClean="0"/>
+                        <a:t>잡담</a:t>
+                      </a:r>
+                      <a:endParaRPr lang="ko-KR" altLang="en-US" dirty="0"/>
+                    </a:p>
+                  </a:txBody>
+                  <a:tcPr/>
+                </a:tc>
+                <a:tc>
+                  <a:txBody>
+                    <a:bodyPr/>
+                    <a:lstStyle/>
+                    <a:p>
+                      <a:pPr algn="ctr" latinLnBrk="1"/>
+                      <a:r>
+                        <a:rPr lang="en-US" altLang="ko-KR" dirty="0" smtClean="0"/>
+                        <a:t>5</a:t>
+                      </a:r>
+                      <a:endParaRPr lang="ko-KR" altLang="en-US" dirty="0"/>
+                    </a:p>
+                  </a:txBody>
+                  <a:tcPr/>
+                </a:tc>
+                <a:tc>
+                  <a:txBody>
+                    <a:bodyPr/>
+                    <a:lstStyle/>
+                    <a:p>
+                      <a:pPr algn="ctr" latinLnBrk="1"/>
+                      <a:r>
+                        <a:rPr lang="en-US" altLang="ko-KR" dirty="0" smtClean="0"/>
+                        <a:t>1</a:t>
+                      </a:r>
+                      <a:endParaRPr lang="ko-KR" altLang="en-US" dirty="0"/>
+                    </a:p>
+                  </a:txBody>
+                  <a:tcPr/>
+                </a:tc>
+                <a:tc>
+                  <a:txBody>
+                    <a:bodyPr/>
+                    <a:lstStyle/>
+                    <a:p>
+                      <a:pPr algn="ctr" latinLnBrk="1"/>
+                      <a:r>
+                        <a:rPr lang="en-US" altLang="ko-KR" dirty="0" smtClean="0"/>
+                        <a:t>1</a:t>
+                      </a:r>
+                      <a:endParaRPr lang="ko-KR" altLang="en-US" dirty="0"/>
+                    </a:p>
+                  </a:txBody>
+                  <a:tcPr/>
+                </a:tc>
+                <a:tc>
+                  <a:txBody>
+                    <a:bodyPr/>
+                    <a:lstStyle/>
+                    <a:p>
+                      <a:pPr algn="ctr" latinLnBrk="1"/>
+                      <a:endParaRPr lang="ko-KR" altLang="en-US" dirty="0"/>
+                    </a:p>
+                  </a:txBody>
+                  <a:tcPr/>
+                </a:tc>
+                <a:tc>
+                  <a:txBody>
+                    <a:bodyPr/>
+                    <a:lstStyle/>
+                    <a:p>
+                      <a:pPr algn="ctr" latinLnBrk="1"/>
+                      <a:endParaRPr lang="ko-KR" altLang="en-US" dirty="0"/>
+                    </a:p>
+                  </a:txBody>
+                  <a:tcPr/>
+                </a:tc>
+                <a:tc>
+                  <a:txBody>
+                    <a:bodyPr/>
+                    <a:lstStyle/>
+                    <a:p>
+                      <a:pPr algn="ctr" latinLnBrk="1"/>
+                      <a:endParaRPr lang="ko-KR" altLang="en-US" dirty="0"/>
+                    </a:p>
+                  </a:txBody>
+                  <a:tcPr/>
+                </a:tc>
+                <a:extLst>
+                  <a:ext uri="{0D108BD9-81ED-4DB2-BD59-A6C34878D82A}">
+                    <a16:rowId xmlns:a16="http://schemas.microsoft.com/office/drawing/2014/main" xmlns="" val="3623186534"/>
+                  </a:ext>
+                </a:extLst>
+              </a:tr>
+              <a:tr h="370840">
+                <a:tc>
+                  <a:txBody>
+                    <a:bodyPr/>
+                    <a:lstStyle/>
+                    <a:p>
+                      <a:pPr algn="ctr" latinLnBrk="1"/>
+                      <a:r>
+                        <a:rPr lang="ko-KR" altLang="en-US" dirty="0" smtClean="0"/>
+                        <a:t>감정표현</a:t>
+                      </a:r>
+                      <a:endParaRPr lang="ko-KR" altLang="en-US" dirty="0"/>
+                    </a:p>
+                  </a:txBody>
+                  <a:tcPr/>
+                </a:tc>
+                <a:tc>
+                  <a:txBody>
+                    <a:bodyPr/>
+                    <a:lstStyle/>
+                    <a:p>
+                      <a:pPr algn="ctr" latinLnBrk="1"/>
+                      <a:endParaRPr lang="ko-KR" altLang="en-US" dirty="0"/>
+                    </a:p>
+                  </a:txBody>
+                  <a:tcPr/>
+                </a:tc>
+                <a:tc>
+                  <a:txBody>
+                    <a:bodyPr/>
+                    <a:lstStyle/>
+                    <a:p>
+                      <a:pPr algn="ctr" latinLnBrk="1"/>
+                      <a:endParaRPr lang="ko-KR" altLang="en-US" dirty="0"/>
+                    </a:p>
+                  </a:txBody>
+                  <a:tcPr/>
+                </a:tc>
+                <a:tc>
+                  <a:txBody>
+                    <a:bodyPr/>
+                    <a:lstStyle/>
+                    <a:p>
+                      <a:pPr algn="ctr" latinLnBrk="1"/>
+                      <a:r>
+                        <a:rPr lang="en-US" altLang="ko-KR" dirty="0" smtClean="0"/>
+                        <a:t>3</a:t>
+                      </a:r>
+                      <a:endParaRPr lang="ko-KR" altLang="en-US" dirty="0"/>
+                    </a:p>
+                  </a:txBody>
+                  <a:tcPr/>
+                </a:tc>
+                <a:tc>
+                  <a:txBody>
+                    <a:bodyPr/>
+                    <a:lstStyle/>
+                    <a:p>
+                      <a:pPr algn="ctr" latinLnBrk="1"/>
+                      <a:r>
+                        <a:rPr lang="en-US" altLang="ko-KR" dirty="0" smtClean="0"/>
+                        <a:t>8</a:t>
+                      </a:r>
+                      <a:endParaRPr lang="ko-KR" altLang="en-US" dirty="0"/>
+                    </a:p>
+                  </a:txBody>
+                  <a:tcPr/>
+                </a:tc>
+                <a:tc>
+                  <a:txBody>
+                    <a:bodyPr/>
+                    <a:lstStyle/>
+                    <a:p>
+                      <a:pPr algn="ctr" latinLnBrk="1"/>
+                      <a:r>
+                        <a:rPr lang="en-US" altLang="ko-KR" dirty="0" smtClean="0"/>
+                        <a:t>1</a:t>
+                      </a:r>
+                      <a:endParaRPr lang="ko-KR" altLang="en-US" dirty="0"/>
+                    </a:p>
+                  </a:txBody>
+                  <a:tcPr/>
+                </a:tc>
+                <a:tc>
+                  <a:txBody>
+                    <a:bodyPr/>
+                    <a:lstStyle/>
+                    <a:p>
+                      <a:pPr algn="ctr" latinLnBrk="1"/>
+                      <a:r>
+                        <a:rPr lang="en-US" altLang="ko-KR" dirty="0" smtClean="0"/>
+                        <a:t>4</a:t>
+                      </a:r>
+                      <a:endParaRPr lang="ko-KR" altLang="en-US" dirty="0"/>
+                    </a:p>
+                  </a:txBody>
+                  <a:tcPr/>
+                </a:tc>
+                <a:extLst>
+                  <a:ext uri="{0D108BD9-81ED-4DB2-BD59-A6C34878D82A}">
+                    <a16:rowId xmlns:a16="http://schemas.microsoft.com/office/drawing/2014/main" xmlns="" val="1614559893"/>
+                  </a:ext>
+                </a:extLst>
+              </a:tr>
+              <a:tr h="370840">
+                <a:tc>
+                  <a:txBody>
+                    <a:bodyPr/>
+                    <a:lstStyle/>
+                    <a:p>
+                      <a:pPr algn="ctr" latinLnBrk="1"/>
+                      <a:r>
+                        <a:rPr lang="ko-KR" altLang="en-US" dirty="0" err="1" smtClean="0"/>
+                        <a:t>애드리브</a:t>
+                      </a:r>
+                      <a:endParaRPr lang="ko-KR" altLang="en-US" dirty="0"/>
+                    </a:p>
+                  </a:txBody>
+                  <a:tcPr/>
+                </a:tc>
+                <a:tc>
+                  <a:txBody>
+                    <a:bodyPr/>
+                    <a:lstStyle/>
+                    <a:p>
+                      <a:pPr algn="ctr" latinLnBrk="1"/>
+                      <a:endParaRPr lang="ko-KR" altLang="en-US" dirty="0"/>
+                    </a:p>
+                  </a:txBody>
+                  <a:tcPr/>
+                </a:tc>
+                <a:tc>
+                  <a:txBody>
+                    <a:bodyPr/>
+                    <a:lstStyle/>
+                    <a:p>
+                      <a:pPr algn="ctr" latinLnBrk="1"/>
+                      <a:endParaRPr lang="ko-KR" altLang="en-US" dirty="0"/>
+                    </a:p>
+                  </a:txBody>
+                  <a:tcPr/>
+                </a:tc>
+                <a:tc>
+                  <a:txBody>
+                    <a:bodyPr/>
+                    <a:lstStyle/>
+                    <a:p>
+                      <a:pPr algn="ctr" latinLnBrk="1"/>
+                      <a:r>
+                        <a:rPr lang="en-US" altLang="ko-KR" dirty="0" smtClean="0"/>
+                        <a:t>3</a:t>
+                      </a:r>
+                      <a:endParaRPr lang="ko-KR" altLang="en-US" dirty="0"/>
+                    </a:p>
+                  </a:txBody>
+                  <a:tcPr/>
+                </a:tc>
+                <a:tc>
+                  <a:txBody>
+                    <a:bodyPr/>
+                    <a:lstStyle/>
+                    <a:p>
+                      <a:pPr algn="ctr" latinLnBrk="1"/>
+                      <a:r>
+                        <a:rPr lang="en-US" altLang="ko-KR" dirty="0" smtClean="0"/>
+                        <a:t>4</a:t>
+                      </a:r>
+                      <a:endParaRPr lang="ko-KR" altLang="en-US" dirty="0"/>
+                    </a:p>
+                  </a:txBody>
+                  <a:tcPr/>
+                </a:tc>
+                <a:tc>
+                  <a:txBody>
+                    <a:bodyPr/>
+                    <a:lstStyle/>
+                    <a:p>
+                      <a:pPr algn="ctr" latinLnBrk="1"/>
+                      <a:endParaRPr lang="ko-KR" altLang="en-US" dirty="0"/>
+                    </a:p>
+                  </a:txBody>
+                  <a:tcPr/>
+                </a:tc>
+                <a:tc>
+                  <a:txBody>
+                    <a:bodyPr/>
+                    <a:lstStyle/>
+                    <a:p>
+                      <a:pPr algn="ctr" latinLnBrk="1"/>
+                      <a:r>
+                        <a:rPr lang="en-US" altLang="ko-KR" dirty="0" smtClean="0"/>
+                        <a:t>1</a:t>
+                      </a:r>
+                      <a:endParaRPr lang="ko-KR" altLang="en-US" dirty="0"/>
+                    </a:p>
+                  </a:txBody>
+                  <a:tcPr/>
+                </a:tc>
+                <a:extLst>
+                  <a:ext uri="{0D108BD9-81ED-4DB2-BD59-A6C34878D82A}">
+                    <a16:rowId xmlns:a16="http://schemas.microsoft.com/office/drawing/2014/main" xmlns="" val="2393325778"/>
+                  </a:ext>
+                </a:extLst>
+              </a:tr>
+            </a:tbl>
+          </a:graphicData>
+        </a:graphic>
+      </p:graphicFrame>
+      <p:sp>
+        <p:nvSpPr>
+          <p:cNvPr id="35" name="TextBox 34"/>
+          <p:cNvSpPr txBox="1"/>
+          <p:nvPr/>
+        </p:nvSpPr>
+        <p:spPr>
+          <a:xfrm>
+            <a:off x="4820840" y="5548374"/>
+            <a:ext cx="3503823" cy="369332"/>
+          </a:xfrm>
+          <a:prstGeom prst="rect">
+            <a:avLst/>
+          </a:prstGeom>
+          <a:noFill/>
+        </p:spPr>
+        <p:txBody>
+          <a:bodyPr wrap="square" rtlCol="0">
+            <a:spAutoFit/>
+          </a:bodyPr>
+          <a:lstStyle/>
+          <a:p>
+            <a:r>
+              <a:rPr lang="en-US" altLang="ko-KR" dirty="0" smtClean="0"/>
+              <a:t>19_07_</a:t>
+            </a:r>
+            <a:r>
+              <a:rPr lang="ko-KR" altLang="en-US" dirty="0" smtClean="0"/>
+              <a:t>생존자</a:t>
+            </a:r>
+            <a:r>
+              <a:rPr lang="en-US" altLang="ko-KR" dirty="0" smtClean="0"/>
+              <a:t>(</a:t>
+            </a:r>
+            <a:r>
+              <a:rPr lang="en-US" altLang="ko-KR" dirty="0" err="1" smtClean="0"/>
+              <a:t>vs</a:t>
+            </a:r>
+            <a:r>
+              <a:rPr lang="ko-KR" altLang="en-US" dirty="0" err="1" smtClean="0"/>
+              <a:t>해그</a:t>
+            </a:r>
+            <a:r>
+              <a:rPr lang="en-US" altLang="ko-KR" dirty="0" smtClean="0"/>
+              <a:t>)</a:t>
+            </a:r>
+            <a:endParaRPr lang="ko-KR" altLang="en-US" dirty="0"/>
+          </a:p>
+        </p:txBody>
+      </p:sp>
+    </p:spTree>
+    <p:extLst>
+      <p:ext uri="{BB962C8B-B14F-4D97-AF65-F5344CB8AC3E}">
+        <p14:creationId xmlns:p14="http://schemas.microsoft.com/office/powerpoint/2010/main" val="774687066"/>
+      </p:ext>
+    </p:extLst>
+  </p:cSld>
+  <p:clrMapOvr>
+    <a:masterClrMapping/>
+  </p:clrMapOvr>
+  <p:timing>
+    <p:tnLst>
+      <p:par>
+        <p:cTn id="1" dur="indefinite" restart="never" nodeType="tmRoot"/>
+      </p:par>
+    </p:tnLst>
+  </p:timing>
+</p:sld>
+</file>
+
+<file path=ppt/slides/slide5.xml><?xml version="1.0" encoding="utf-8"?>
+<p:sld xmlns:a="http://schemas.openxmlformats.org/drawingml/2006/main" xmlns:r="http://schemas.openxmlformats.org/officeDocument/2006/relationships" xmlns:p="http://schemas.openxmlformats.org/presentationml/2006/main">
+  <p:cSld>
+    <p:spTree>
+      <p:nvGrpSpPr>
+        <p:cNvPr id="1" name=""/>
+        <p:cNvGrpSpPr/>
+        <p:nvPr/>
+      </p:nvGrpSpPr>
+      <p:grpSpPr>
+        <a:xfrm>
+          <a:off x="0" y="0"/>
+          <a:ext cx="0" cy="0"/>
+          <a:chOff x="0" y="0"/>
+          <a:chExt cx="0" cy="0"/>
+        </a:xfrm>
+      </p:grpSpPr>
+      <p:cxnSp>
+        <p:nvCxnSpPr>
+          <p:cNvPr id="60" name="직선 연결선 59"/>
+          <p:cNvCxnSpPr/>
+          <p:nvPr/>
+        </p:nvCxnSpPr>
+        <p:spPr>
+          <a:xfrm flipH="1">
+            <a:off x="661594" y="373977"/>
+            <a:ext cx="1" cy="418653"/>
+          </a:xfrm>
+          <a:prstGeom prst="line">
+            <a:avLst/>
+          </a:prstGeom>
+          <a:ln>
+            <a:solidFill>
+              <a:schemeClr val="tx1"/>
+            </a:solidFill>
+          </a:ln>
+        </p:spPr>
+        <p:style>
+          <a:lnRef idx="1">
+            <a:schemeClr val="accent1"/>
+          </a:lnRef>
+          <a:fillRef idx="0">
+            <a:schemeClr val="accent1"/>
+          </a:fillRef>
+          <a:effectRef idx="0">
+            <a:schemeClr val="accent1"/>
+          </a:effectRef>
+          <a:fontRef idx="minor">
+            <a:schemeClr val="tx1"/>
+          </a:fontRef>
+        </p:style>
+      </p:cxnSp>
+      <p:cxnSp>
+        <p:nvCxnSpPr>
+          <p:cNvPr id="63" name="직선 연결선 62"/>
+          <p:cNvCxnSpPr/>
+          <p:nvPr/>
+        </p:nvCxnSpPr>
+        <p:spPr>
+          <a:xfrm flipH="1">
+            <a:off x="11655910" y="373977"/>
+            <a:ext cx="1" cy="418653"/>
+          </a:xfrm>
+          <a:prstGeom prst="line">
+            <a:avLst/>
+          </a:prstGeom>
+          <a:ln>
+            <a:solidFill>
+              <a:schemeClr val="tx1"/>
+            </a:solidFill>
+          </a:ln>
+        </p:spPr>
+        <p:style>
+          <a:lnRef idx="1">
+            <a:schemeClr val="accent1"/>
+          </a:lnRef>
+          <a:fillRef idx="0">
+            <a:schemeClr val="accent1"/>
+          </a:fillRef>
+          <a:effectRef idx="0">
+            <a:schemeClr val="accent1"/>
+          </a:effectRef>
+          <a:fontRef idx="minor">
+            <a:schemeClr val="tx1"/>
+          </a:fontRef>
+        </p:style>
+      </p:cxnSp>
+      <p:cxnSp>
+        <p:nvCxnSpPr>
+          <p:cNvPr id="68" name="직선 연결선 67"/>
+          <p:cNvCxnSpPr/>
+          <p:nvPr/>
+        </p:nvCxnSpPr>
+        <p:spPr>
+          <a:xfrm flipH="1">
+            <a:off x="3646844" y="426033"/>
+            <a:ext cx="1" cy="314541"/>
+          </a:xfrm>
+          <a:prstGeom prst="line">
+            <a:avLst/>
+          </a:prstGeom>
+          <a:ln>
+            <a:solidFill>
+              <a:schemeClr val="tx1"/>
+            </a:solidFill>
+          </a:ln>
+        </p:spPr>
+        <p:style>
+          <a:lnRef idx="1">
+            <a:schemeClr val="accent1"/>
+          </a:lnRef>
+          <a:fillRef idx="0">
+            <a:schemeClr val="accent1"/>
+          </a:fillRef>
+          <a:effectRef idx="0">
+            <a:schemeClr val="accent1"/>
+          </a:effectRef>
+          <a:fontRef idx="minor">
+            <a:schemeClr val="tx1"/>
+          </a:fontRef>
+        </p:style>
+      </p:cxnSp>
+      <p:cxnSp>
+        <p:nvCxnSpPr>
+          <p:cNvPr id="69" name="직선 연결선 68"/>
+          <p:cNvCxnSpPr/>
+          <p:nvPr/>
+        </p:nvCxnSpPr>
+        <p:spPr>
+          <a:xfrm flipH="1">
+            <a:off x="8659903" y="426033"/>
+            <a:ext cx="1" cy="314541"/>
+          </a:xfrm>
+          <a:prstGeom prst="line">
+            <a:avLst/>
+          </a:prstGeom>
+          <a:ln>
+            <a:solidFill>
+              <a:schemeClr val="tx1"/>
+            </a:solidFill>
+          </a:ln>
+        </p:spPr>
+        <p:style>
+          <a:lnRef idx="1">
+            <a:schemeClr val="accent1"/>
+          </a:lnRef>
+          <a:fillRef idx="0">
+            <a:schemeClr val="accent1"/>
+          </a:fillRef>
+          <a:effectRef idx="0">
+            <a:schemeClr val="accent1"/>
+          </a:effectRef>
+          <a:fontRef idx="minor">
+            <a:schemeClr val="tx1"/>
+          </a:fontRef>
+        </p:style>
+      </p:cxnSp>
+      <p:cxnSp>
+        <p:nvCxnSpPr>
+          <p:cNvPr id="70" name="직선 연결선 69"/>
+          <p:cNvCxnSpPr/>
+          <p:nvPr/>
+        </p:nvCxnSpPr>
+        <p:spPr>
+          <a:xfrm>
+            <a:off x="650835" y="583303"/>
+            <a:ext cx="11005073" cy="0"/>
+          </a:xfrm>
+          <a:prstGeom prst="line">
+            <a:avLst/>
+          </a:prstGeom>
+          <a:ln w="3175">
+            <a:solidFill>
+              <a:schemeClr val="tx1"/>
+            </a:solidFill>
+            <a:prstDash val="dash"/>
+          </a:ln>
+        </p:spPr>
+        <p:style>
+          <a:lnRef idx="1">
+            <a:schemeClr val="accent1"/>
+          </a:lnRef>
+          <a:fillRef idx="0">
+            <a:schemeClr val="accent1"/>
+          </a:fillRef>
+          <a:effectRef idx="0">
+            <a:schemeClr val="accent1"/>
+          </a:effectRef>
+          <a:fontRef idx="minor">
+            <a:schemeClr val="tx1"/>
+          </a:fontRef>
+        </p:style>
+      </p:cxnSp>
+      <p:sp>
+        <p:nvSpPr>
+          <p:cNvPr id="71" name="TextBox 70"/>
+          <p:cNvSpPr txBox="1"/>
+          <p:nvPr/>
+        </p:nvSpPr>
+        <p:spPr>
+          <a:xfrm>
+            <a:off x="995757" y="771325"/>
+            <a:ext cx="748576" cy="307777"/>
+          </a:xfrm>
+          <a:prstGeom prst="rect">
+            <a:avLst/>
+          </a:prstGeom>
+          <a:noFill/>
+        </p:spPr>
+        <p:txBody>
+          <a:bodyPr wrap="square" rtlCol="0" anchor="ctr">
+            <a:spAutoFit/>
+          </a:bodyPr>
+          <a:lstStyle/>
+          <a:p>
+            <a:pPr algn="ctr"/>
+            <a:r>
+              <a:rPr lang="ko-KR" altLang="en-US" sz="1400" dirty="0" smtClean="0"/>
+              <a:t>진입</a:t>
+            </a:r>
+            <a:endParaRPr lang="ko-KR" altLang="en-US" sz="1400" dirty="0"/>
+          </a:p>
+        </p:txBody>
+      </p:sp>
+      <p:sp>
+        <p:nvSpPr>
+          <p:cNvPr id="72" name="TextBox 71"/>
+          <p:cNvSpPr txBox="1"/>
+          <p:nvPr/>
+        </p:nvSpPr>
+        <p:spPr>
+          <a:xfrm>
+            <a:off x="4218294" y="777394"/>
+            <a:ext cx="748576" cy="307777"/>
+          </a:xfrm>
+          <a:prstGeom prst="rect">
+            <a:avLst/>
+          </a:prstGeom>
+          <a:noFill/>
+        </p:spPr>
+        <p:txBody>
+          <a:bodyPr wrap="square" rtlCol="0" anchor="ctr">
+            <a:spAutoFit/>
+          </a:bodyPr>
+          <a:lstStyle/>
+          <a:p>
+            <a:pPr algn="ctr"/>
+            <a:r>
+              <a:rPr lang="ko-KR" altLang="en-US" sz="1400" dirty="0" smtClean="0"/>
+              <a:t>작업</a:t>
+            </a:r>
+            <a:endParaRPr lang="ko-KR" altLang="en-US" sz="1400" dirty="0"/>
+          </a:p>
+        </p:txBody>
+      </p:sp>
+      <p:sp>
+        <p:nvSpPr>
+          <p:cNvPr id="73" name="TextBox 72"/>
+          <p:cNvSpPr txBox="1"/>
+          <p:nvPr/>
+        </p:nvSpPr>
+        <p:spPr>
+          <a:xfrm>
+            <a:off x="9149201" y="780195"/>
+            <a:ext cx="748576" cy="307777"/>
+          </a:xfrm>
+          <a:prstGeom prst="rect">
+            <a:avLst/>
+          </a:prstGeom>
+          <a:noFill/>
+        </p:spPr>
+        <p:txBody>
+          <a:bodyPr wrap="square" rtlCol="0" anchor="ctr">
+            <a:spAutoFit/>
+          </a:bodyPr>
+          <a:lstStyle/>
+          <a:p>
+            <a:pPr algn="ctr"/>
+            <a:r>
+              <a:rPr lang="ko-KR" altLang="en-US" sz="1400" dirty="0" smtClean="0"/>
+              <a:t>희생</a:t>
+            </a:r>
+            <a:endParaRPr lang="ko-KR" altLang="en-US" sz="1400" dirty="0"/>
+          </a:p>
+        </p:txBody>
+      </p:sp>
+      <p:sp>
+        <p:nvSpPr>
+          <p:cNvPr id="76" name="TextBox 75"/>
+          <p:cNvSpPr txBox="1"/>
+          <p:nvPr/>
+        </p:nvSpPr>
+        <p:spPr>
+          <a:xfrm>
+            <a:off x="2568850" y="771325"/>
+            <a:ext cx="748576" cy="307777"/>
+          </a:xfrm>
+          <a:prstGeom prst="rect">
+            <a:avLst/>
+          </a:prstGeom>
+          <a:noFill/>
+        </p:spPr>
+        <p:txBody>
+          <a:bodyPr wrap="square" rtlCol="0" anchor="ctr">
+            <a:spAutoFit/>
+          </a:bodyPr>
+          <a:lstStyle/>
+          <a:p>
+            <a:pPr algn="ctr"/>
+            <a:r>
+              <a:rPr lang="ko-KR" altLang="en-US" sz="1400" dirty="0" smtClean="0"/>
+              <a:t>적응</a:t>
+            </a:r>
+            <a:endParaRPr lang="ko-KR" altLang="en-US" sz="1400" dirty="0"/>
+          </a:p>
+        </p:txBody>
+      </p:sp>
+      <p:sp>
+        <p:nvSpPr>
+          <p:cNvPr id="77" name="TextBox 76"/>
+          <p:cNvSpPr txBox="1"/>
+          <p:nvPr/>
+        </p:nvSpPr>
+        <p:spPr>
+          <a:xfrm>
+            <a:off x="5906022" y="790142"/>
+            <a:ext cx="748576" cy="307777"/>
+          </a:xfrm>
+          <a:prstGeom prst="rect">
+            <a:avLst/>
+          </a:prstGeom>
+          <a:noFill/>
+        </p:spPr>
+        <p:txBody>
+          <a:bodyPr wrap="square" rtlCol="0" anchor="ctr">
+            <a:spAutoFit/>
+          </a:bodyPr>
+          <a:lstStyle/>
+          <a:p>
+            <a:pPr algn="ctr"/>
+            <a:r>
+              <a:rPr lang="ko-KR" altLang="en-US" sz="1400" dirty="0" smtClean="0"/>
+              <a:t>도주</a:t>
+            </a:r>
+            <a:endParaRPr lang="ko-KR" altLang="en-US" sz="1400" dirty="0"/>
+          </a:p>
+        </p:txBody>
+      </p:sp>
+      <p:sp>
+        <p:nvSpPr>
+          <p:cNvPr id="78" name="TextBox 77"/>
+          <p:cNvSpPr txBox="1"/>
+          <p:nvPr/>
+        </p:nvSpPr>
+        <p:spPr>
+          <a:xfrm>
+            <a:off x="7436792" y="771751"/>
+            <a:ext cx="887872" cy="307777"/>
+          </a:xfrm>
+          <a:prstGeom prst="rect">
+            <a:avLst/>
+          </a:prstGeom>
+          <a:noFill/>
+        </p:spPr>
+        <p:txBody>
+          <a:bodyPr wrap="square" rtlCol="0" anchor="ctr">
+            <a:spAutoFit/>
+          </a:bodyPr>
+          <a:lstStyle/>
+          <a:p>
+            <a:pPr algn="ctr"/>
+            <a:r>
+              <a:rPr lang="ko-KR" altLang="en-US" sz="1400" dirty="0" smtClean="0"/>
+              <a:t>갈고리</a:t>
+            </a:r>
+            <a:endParaRPr lang="ko-KR" altLang="en-US" sz="1400" dirty="0"/>
+          </a:p>
+        </p:txBody>
+      </p:sp>
+      <p:sp>
+        <p:nvSpPr>
+          <p:cNvPr id="79" name="TextBox 78"/>
+          <p:cNvSpPr txBox="1"/>
+          <p:nvPr/>
+        </p:nvSpPr>
+        <p:spPr>
+          <a:xfrm>
+            <a:off x="10402319" y="787147"/>
+            <a:ext cx="748576" cy="307777"/>
+          </a:xfrm>
+          <a:prstGeom prst="rect">
+            <a:avLst/>
+          </a:prstGeom>
+          <a:noFill/>
+        </p:spPr>
+        <p:txBody>
+          <a:bodyPr wrap="square" rtlCol="0" anchor="ctr">
+            <a:spAutoFit/>
+          </a:bodyPr>
+          <a:lstStyle/>
+          <a:p>
+            <a:pPr algn="ctr"/>
+            <a:r>
+              <a:rPr lang="ko-KR" altLang="en-US" sz="1400" dirty="0" smtClean="0"/>
+              <a:t>탈출</a:t>
+            </a:r>
+            <a:endParaRPr lang="ko-KR" altLang="en-US" sz="1400" dirty="0"/>
+          </a:p>
+        </p:txBody>
+      </p:sp>
+      <p:cxnSp>
+        <p:nvCxnSpPr>
+          <p:cNvPr id="80" name="직선 연결선 79"/>
+          <p:cNvCxnSpPr/>
+          <p:nvPr/>
+        </p:nvCxnSpPr>
+        <p:spPr>
+          <a:xfrm flipH="1">
+            <a:off x="2129781" y="509936"/>
+            <a:ext cx="1" cy="146735"/>
+          </a:xfrm>
+          <a:prstGeom prst="line">
+            <a:avLst/>
+          </a:prstGeom>
+          <a:ln>
+            <a:solidFill>
+              <a:schemeClr val="tx1"/>
+            </a:solidFill>
+          </a:ln>
+        </p:spPr>
+        <p:style>
+          <a:lnRef idx="1">
+            <a:schemeClr val="accent1"/>
+          </a:lnRef>
+          <a:fillRef idx="0">
+            <a:schemeClr val="accent1"/>
+          </a:fillRef>
+          <a:effectRef idx="0">
+            <a:schemeClr val="accent1"/>
+          </a:effectRef>
+          <a:fontRef idx="minor">
+            <a:schemeClr val="tx1"/>
+          </a:fontRef>
+        </p:style>
+      </p:cxnSp>
+      <p:sp>
+        <p:nvSpPr>
+          <p:cNvPr id="81" name="TextBox 80"/>
+          <p:cNvSpPr txBox="1"/>
+          <p:nvPr/>
+        </p:nvSpPr>
+        <p:spPr>
+          <a:xfrm>
+            <a:off x="9975163" y="875534"/>
+            <a:ext cx="415687" cy="307777"/>
+          </a:xfrm>
+          <a:prstGeom prst="rect">
+            <a:avLst/>
+          </a:prstGeom>
+          <a:noFill/>
+        </p:spPr>
+        <p:txBody>
+          <a:bodyPr wrap="square" rtlCol="0" anchor="ctr">
+            <a:spAutoFit/>
+          </a:bodyPr>
+          <a:lstStyle/>
+          <a:p>
+            <a:pPr algn="ctr"/>
+            <a:r>
+              <a:rPr lang="en-US" altLang="ko-KR" sz="1400" dirty="0" smtClean="0"/>
+              <a:t>or</a:t>
+            </a:r>
+            <a:endParaRPr lang="ko-KR" altLang="en-US" sz="1400" dirty="0"/>
+          </a:p>
+        </p:txBody>
+      </p:sp>
+      <p:cxnSp>
+        <p:nvCxnSpPr>
+          <p:cNvPr id="82" name="직선 연결선 81"/>
+          <p:cNvCxnSpPr/>
+          <p:nvPr/>
+        </p:nvCxnSpPr>
+        <p:spPr>
+          <a:xfrm flipH="1">
+            <a:off x="5443136" y="509936"/>
+            <a:ext cx="1" cy="146735"/>
+          </a:xfrm>
+          <a:prstGeom prst="line">
+            <a:avLst/>
+          </a:prstGeom>
+          <a:ln>
+            <a:solidFill>
+              <a:schemeClr val="tx1"/>
+            </a:solidFill>
+            <a:prstDash val="dash"/>
+          </a:ln>
+        </p:spPr>
+        <p:style>
+          <a:lnRef idx="1">
+            <a:schemeClr val="accent1"/>
+          </a:lnRef>
+          <a:fillRef idx="0">
+            <a:schemeClr val="accent1"/>
+          </a:fillRef>
+          <a:effectRef idx="0">
+            <a:schemeClr val="accent1"/>
+          </a:effectRef>
+          <a:fontRef idx="minor">
+            <a:schemeClr val="tx1"/>
+          </a:fontRef>
+        </p:style>
+      </p:cxnSp>
+      <p:cxnSp>
+        <p:nvCxnSpPr>
+          <p:cNvPr id="83" name="직선 연결선 82"/>
+          <p:cNvCxnSpPr/>
+          <p:nvPr/>
+        </p:nvCxnSpPr>
+        <p:spPr>
+          <a:xfrm flipH="1">
+            <a:off x="6973906" y="509936"/>
+            <a:ext cx="1" cy="146735"/>
+          </a:xfrm>
+          <a:prstGeom prst="line">
+            <a:avLst/>
+          </a:prstGeom>
+          <a:ln>
+            <a:solidFill>
+              <a:schemeClr val="tx1"/>
+            </a:solidFill>
+            <a:prstDash val="dash"/>
+          </a:ln>
+        </p:spPr>
+        <p:style>
+          <a:lnRef idx="1">
+            <a:schemeClr val="accent1"/>
+          </a:lnRef>
+          <a:fillRef idx="0">
+            <a:schemeClr val="accent1"/>
+          </a:fillRef>
+          <a:effectRef idx="0">
+            <a:schemeClr val="accent1"/>
+          </a:effectRef>
+          <a:fontRef idx="minor">
+            <a:schemeClr val="tx1"/>
+          </a:fontRef>
+        </p:style>
+      </p:cxnSp>
+      <p:sp>
+        <p:nvSpPr>
+          <p:cNvPr id="84" name="TextBox 83"/>
+          <p:cNvSpPr txBox="1"/>
+          <p:nvPr/>
+        </p:nvSpPr>
+        <p:spPr>
+          <a:xfrm>
+            <a:off x="5191645" y="768750"/>
+            <a:ext cx="502982" cy="523220"/>
+          </a:xfrm>
+          <a:prstGeom prst="rect">
+            <a:avLst/>
+          </a:prstGeom>
+          <a:noFill/>
+        </p:spPr>
+        <p:txBody>
+          <a:bodyPr wrap="square" rtlCol="0" anchor="ctr">
+            <a:spAutoFit/>
+          </a:bodyPr>
+          <a:lstStyle/>
+          <a:p>
+            <a:pPr algn="ctr"/>
+            <a:r>
+              <a:rPr lang="en-US" altLang="ko-KR" sz="1400" dirty="0" smtClean="0"/>
+              <a:t>and</a:t>
+            </a:r>
+            <a:endParaRPr lang="ko-KR" altLang="en-US" sz="1400" dirty="0"/>
+          </a:p>
+        </p:txBody>
+      </p:sp>
+      <p:sp>
+        <p:nvSpPr>
+          <p:cNvPr id="85" name="TextBox 84"/>
+          <p:cNvSpPr txBox="1"/>
+          <p:nvPr/>
+        </p:nvSpPr>
+        <p:spPr>
+          <a:xfrm>
+            <a:off x="6722415" y="768750"/>
+            <a:ext cx="502982" cy="523220"/>
+          </a:xfrm>
+          <a:prstGeom prst="rect">
+            <a:avLst/>
+          </a:prstGeom>
+          <a:noFill/>
+        </p:spPr>
+        <p:txBody>
+          <a:bodyPr wrap="square" rtlCol="0" anchor="ctr">
+            <a:spAutoFit/>
+          </a:bodyPr>
+          <a:lstStyle/>
+          <a:p>
+            <a:pPr algn="ctr"/>
+            <a:r>
+              <a:rPr lang="en-US" altLang="ko-KR" sz="1400" dirty="0" smtClean="0"/>
+              <a:t>and</a:t>
+            </a:r>
+            <a:endParaRPr lang="ko-KR" altLang="en-US" sz="1400" dirty="0"/>
+          </a:p>
+        </p:txBody>
+      </p:sp>
+      <p:sp>
+        <p:nvSpPr>
+          <p:cNvPr id="3" name="TextBox 2"/>
+          <p:cNvSpPr txBox="1"/>
+          <p:nvPr/>
+        </p:nvSpPr>
+        <p:spPr>
+          <a:xfrm>
+            <a:off x="712823" y="1094924"/>
+            <a:ext cx="1314443" cy="369332"/>
+          </a:xfrm>
+          <a:prstGeom prst="rect">
+            <a:avLst/>
+          </a:prstGeom>
+          <a:noFill/>
+        </p:spPr>
+        <p:txBody>
+          <a:bodyPr wrap="square" rtlCol="0">
+            <a:spAutoFit/>
+          </a:bodyPr>
+          <a:lstStyle/>
+          <a:p>
+            <a:pPr algn="ctr"/>
+            <a:r>
+              <a:rPr lang="en-US" altLang="ko-KR" dirty="0" smtClean="0"/>
+              <a:t>0:05~0:21</a:t>
+            </a:r>
+            <a:endParaRPr lang="ko-KR" altLang="en-US" dirty="0"/>
+          </a:p>
+        </p:txBody>
+      </p:sp>
+      <p:sp>
+        <p:nvSpPr>
+          <p:cNvPr id="22" name="TextBox 21"/>
+          <p:cNvSpPr txBox="1"/>
+          <p:nvPr/>
+        </p:nvSpPr>
+        <p:spPr>
+          <a:xfrm>
+            <a:off x="2271097" y="1094924"/>
+            <a:ext cx="1314443" cy="369332"/>
+          </a:xfrm>
+          <a:prstGeom prst="rect">
+            <a:avLst/>
+          </a:prstGeom>
+          <a:noFill/>
+        </p:spPr>
+        <p:txBody>
+          <a:bodyPr wrap="square" rtlCol="0">
+            <a:spAutoFit/>
+          </a:bodyPr>
+          <a:lstStyle/>
+          <a:p>
+            <a:pPr algn="ctr"/>
+            <a:r>
+              <a:rPr lang="en-US" altLang="ko-KR" dirty="0" smtClean="0"/>
+              <a:t>0:22</a:t>
+            </a:r>
+            <a:r>
+              <a:rPr lang="en-US" altLang="ko-KR" dirty="0" smtClean="0"/>
+              <a:t>~0:30</a:t>
+            </a:r>
+            <a:endParaRPr lang="ko-KR" altLang="en-US" dirty="0"/>
+          </a:p>
+        </p:txBody>
+      </p:sp>
+      <p:sp>
+        <p:nvSpPr>
+          <p:cNvPr id="23" name="TextBox 22"/>
+          <p:cNvSpPr txBox="1"/>
+          <p:nvPr/>
+        </p:nvSpPr>
+        <p:spPr>
+          <a:xfrm>
+            <a:off x="5536451" y="1094924"/>
+            <a:ext cx="1487717" cy="369332"/>
+          </a:xfrm>
+          <a:prstGeom prst="rect">
+            <a:avLst/>
+          </a:prstGeom>
+          <a:noFill/>
+        </p:spPr>
+        <p:txBody>
+          <a:bodyPr wrap="square" rtlCol="0">
+            <a:spAutoFit/>
+          </a:bodyPr>
+          <a:lstStyle/>
+          <a:p>
+            <a:pPr algn="ctr"/>
+            <a:r>
+              <a:rPr lang="en-US" altLang="ko-KR" dirty="0" smtClean="0"/>
+              <a:t>1</a:t>
+            </a:r>
+            <a:r>
+              <a:rPr lang="en-US" altLang="ko-KR" dirty="0" smtClean="0"/>
+              <a:t>:21~7:19</a:t>
+            </a:r>
+            <a:endParaRPr lang="ko-KR" altLang="en-US" dirty="0"/>
+          </a:p>
+        </p:txBody>
+      </p:sp>
+      <p:sp>
+        <p:nvSpPr>
+          <p:cNvPr id="24" name="TextBox 23"/>
+          <p:cNvSpPr txBox="1"/>
+          <p:nvPr/>
+        </p:nvSpPr>
+        <p:spPr>
+          <a:xfrm>
+            <a:off x="9439147" y="1094924"/>
+            <a:ext cx="1487717" cy="369332"/>
+          </a:xfrm>
+          <a:prstGeom prst="rect">
+            <a:avLst/>
+          </a:prstGeom>
+          <a:noFill/>
+        </p:spPr>
+        <p:txBody>
+          <a:bodyPr wrap="square" rtlCol="0">
+            <a:spAutoFit/>
+          </a:bodyPr>
+          <a:lstStyle/>
+          <a:p>
+            <a:pPr algn="ctr"/>
+            <a:r>
+              <a:rPr lang="en-US" altLang="ko-KR" smtClean="0"/>
+              <a:t>7:20~9:45</a:t>
+            </a:r>
+            <a:endParaRPr lang="ko-KR" altLang="en-US" dirty="0"/>
+          </a:p>
+        </p:txBody>
+      </p:sp>
+      <p:graphicFrame>
+        <p:nvGraphicFramePr>
+          <p:cNvPr id="4" name="표 3"/>
+          <p:cNvGraphicFramePr>
+            <a:graphicFrameLocks noGrp="1"/>
+          </p:cNvGraphicFramePr>
+          <p:nvPr>
+            <p:extLst>
+              <p:ext uri="{D42A27DB-BD31-4B8C-83A1-F6EECF244321}">
+                <p14:modId xmlns:p14="http://schemas.microsoft.com/office/powerpoint/2010/main" val="2109234200"/>
+              </p:ext>
+            </p:extLst>
+          </p:nvPr>
+        </p:nvGraphicFramePr>
+        <p:xfrm>
+          <a:off x="1370044" y="2577421"/>
+          <a:ext cx="9547328" cy="2225040"/>
+        </p:xfrm>
+        <a:graphic>
+          <a:graphicData uri="http://schemas.openxmlformats.org/drawingml/2006/table">
+            <a:tbl>
+              <a:tblPr firstRow="1" bandRow="1">
+                <a:tableStyleId>{5940675A-B579-460E-94D1-54222C63F5DA}</a:tableStyleId>
+              </a:tblPr>
+              <a:tblGrid>
+                <a:gridCol w="1363904">
+                  <a:extLst>
+                    <a:ext uri="{9D8B030D-6E8A-4147-A177-3AD203B41FA5}">
+                      <a16:colId xmlns:a16="http://schemas.microsoft.com/office/drawing/2014/main" xmlns="" val="3962917602"/>
+                    </a:ext>
+                  </a:extLst>
+                </a:gridCol>
+                <a:gridCol w="1363904">
+                  <a:extLst>
+                    <a:ext uri="{9D8B030D-6E8A-4147-A177-3AD203B41FA5}">
+                      <a16:colId xmlns:a16="http://schemas.microsoft.com/office/drawing/2014/main" xmlns="" val="3805071553"/>
+                    </a:ext>
+                  </a:extLst>
+                </a:gridCol>
+                <a:gridCol w="1363904">
+                  <a:extLst>
+                    <a:ext uri="{9D8B030D-6E8A-4147-A177-3AD203B41FA5}">
+                      <a16:colId xmlns:a16="http://schemas.microsoft.com/office/drawing/2014/main" xmlns="" val="2975047543"/>
+                    </a:ext>
+                  </a:extLst>
+                </a:gridCol>
+                <a:gridCol w="1363904">
+                  <a:extLst>
+                    <a:ext uri="{9D8B030D-6E8A-4147-A177-3AD203B41FA5}">
+                      <a16:colId xmlns:a16="http://schemas.microsoft.com/office/drawing/2014/main" xmlns="" val="4013779939"/>
+                    </a:ext>
+                  </a:extLst>
+                </a:gridCol>
+                <a:gridCol w="1363904">
+                  <a:extLst>
+                    <a:ext uri="{9D8B030D-6E8A-4147-A177-3AD203B41FA5}">
+                      <a16:colId xmlns:a16="http://schemas.microsoft.com/office/drawing/2014/main" xmlns="" val="1727372584"/>
+                    </a:ext>
+                  </a:extLst>
+                </a:gridCol>
+                <a:gridCol w="1363904">
+                  <a:extLst>
+                    <a:ext uri="{9D8B030D-6E8A-4147-A177-3AD203B41FA5}">
+                      <a16:colId xmlns:a16="http://schemas.microsoft.com/office/drawing/2014/main" xmlns="" val="2092977944"/>
+                    </a:ext>
+                  </a:extLst>
+                </a:gridCol>
+                <a:gridCol w="1363904">
+                  <a:extLst>
+                    <a:ext uri="{9D8B030D-6E8A-4147-A177-3AD203B41FA5}">
+                      <a16:colId xmlns:a16="http://schemas.microsoft.com/office/drawing/2014/main" xmlns="" val="1491384707"/>
+                    </a:ext>
+                  </a:extLst>
+                </a:gridCol>
+              </a:tblGrid>
+              <a:tr h="370840">
+                <a:tc>
+                  <a:txBody>
+                    <a:bodyPr/>
+                    <a:lstStyle/>
+                    <a:p>
+                      <a:pPr algn="ctr" latinLnBrk="1"/>
+                      <a:endParaRPr lang="ko-KR" altLang="en-US" dirty="0"/>
+                    </a:p>
+                  </a:txBody>
+                  <a:tcPr/>
+                </a:tc>
+                <a:tc>
+                  <a:txBody>
+                    <a:bodyPr/>
+                    <a:lstStyle/>
+                    <a:p>
+                      <a:pPr algn="ctr" latinLnBrk="1"/>
+                      <a:r>
+                        <a:rPr lang="ko-KR" altLang="en-US" dirty="0" smtClean="0"/>
+                        <a:t>진입</a:t>
+                      </a:r>
+                      <a:endParaRPr lang="ko-KR" altLang="en-US" dirty="0"/>
+                    </a:p>
+                  </a:txBody>
+                  <a:tcPr/>
+                </a:tc>
+                <a:tc>
+                  <a:txBody>
+                    <a:bodyPr/>
+                    <a:lstStyle/>
+                    <a:p>
+                      <a:pPr algn="ctr" latinLnBrk="1"/>
+                      <a:r>
+                        <a:rPr lang="ko-KR" altLang="en-US" dirty="0" smtClean="0"/>
+                        <a:t>적응</a:t>
+                      </a:r>
+                      <a:endParaRPr lang="ko-KR" altLang="en-US" dirty="0"/>
+                    </a:p>
+                  </a:txBody>
+                  <a:tcPr/>
+                </a:tc>
+                <a:tc>
+                  <a:txBody>
+                    <a:bodyPr/>
+                    <a:lstStyle/>
+                    <a:p>
+                      <a:pPr algn="ctr" latinLnBrk="1"/>
+                      <a:r>
+                        <a:rPr lang="ko-KR" altLang="en-US" dirty="0" smtClean="0"/>
+                        <a:t>작업</a:t>
+                      </a:r>
+                      <a:endParaRPr lang="ko-KR" altLang="en-US" dirty="0"/>
+                    </a:p>
+                  </a:txBody>
+                  <a:tcPr/>
+                </a:tc>
+                <a:tc>
+                  <a:txBody>
+                    <a:bodyPr/>
+                    <a:lstStyle/>
+                    <a:p>
+                      <a:pPr algn="ctr" latinLnBrk="1"/>
+                      <a:r>
+                        <a:rPr lang="ko-KR" altLang="en-US" dirty="0" smtClean="0"/>
+                        <a:t>도주</a:t>
+                      </a:r>
+                      <a:endParaRPr lang="ko-KR" altLang="en-US" dirty="0"/>
+                    </a:p>
+                  </a:txBody>
+                  <a:tcPr/>
+                </a:tc>
+                <a:tc>
+                  <a:txBody>
+                    <a:bodyPr/>
+                    <a:lstStyle/>
+                    <a:p>
+                      <a:pPr algn="ctr" latinLnBrk="1"/>
+                      <a:r>
+                        <a:rPr lang="ko-KR" altLang="en-US" dirty="0" smtClean="0"/>
+                        <a:t>갈고리</a:t>
+                      </a:r>
+                      <a:endParaRPr lang="ko-KR" altLang="en-US" dirty="0"/>
+                    </a:p>
+                  </a:txBody>
+                  <a:tcPr/>
+                </a:tc>
+                <a:tc>
+                  <a:txBody>
+                    <a:bodyPr/>
+                    <a:lstStyle/>
+                    <a:p>
+                      <a:pPr algn="ctr" latinLnBrk="1"/>
+                      <a:r>
+                        <a:rPr lang="ko-KR" altLang="en-US" dirty="0" smtClean="0"/>
+                        <a:t>희생</a:t>
+                      </a:r>
+                      <a:r>
+                        <a:rPr lang="en-US" altLang="ko-KR" dirty="0" smtClean="0"/>
+                        <a:t>/</a:t>
+                      </a:r>
+                      <a:r>
+                        <a:rPr lang="ko-KR" altLang="en-US" dirty="0" smtClean="0"/>
+                        <a:t>탈출</a:t>
+                      </a:r>
+                      <a:endParaRPr lang="ko-KR" altLang="en-US" dirty="0"/>
+                    </a:p>
+                  </a:txBody>
+                  <a:tcPr/>
+                </a:tc>
+                <a:extLst>
+                  <a:ext uri="{0D108BD9-81ED-4DB2-BD59-A6C34878D82A}">
+                    <a16:rowId xmlns:a16="http://schemas.microsoft.com/office/drawing/2014/main" xmlns="" val="1986461911"/>
+                  </a:ext>
+                </a:extLst>
+              </a:tr>
+              <a:tr h="370840">
+                <a:tc>
+                  <a:txBody>
+                    <a:bodyPr/>
+                    <a:lstStyle/>
+                    <a:p>
+                      <a:pPr algn="ctr" latinLnBrk="1"/>
+                      <a:r>
+                        <a:rPr lang="ko-KR" altLang="en-US" dirty="0" smtClean="0"/>
+                        <a:t>해설</a:t>
+                      </a:r>
+                      <a:endParaRPr lang="en-US" altLang="ko-KR" dirty="0" smtClean="0"/>
+                    </a:p>
+                  </a:txBody>
+                  <a:tcPr/>
+                </a:tc>
+                <a:tc>
+                  <a:txBody>
+                    <a:bodyPr/>
+                    <a:lstStyle/>
+                    <a:p>
+                      <a:pPr algn="ctr" latinLnBrk="1"/>
+                      <a:endParaRPr lang="ko-KR" altLang="en-US" dirty="0"/>
+                    </a:p>
+                  </a:txBody>
+                  <a:tcPr/>
+                </a:tc>
+                <a:tc>
+                  <a:txBody>
+                    <a:bodyPr/>
+                    <a:lstStyle/>
+                    <a:p>
+                      <a:pPr algn="ctr" latinLnBrk="1"/>
+                      <a:endParaRPr lang="ko-KR" altLang="en-US" dirty="0"/>
+                    </a:p>
+                  </a:txBody>
+                  <a:tcPr/>
+                </a:tc>
+                <a:tc>
+                  <a:txBody>
+                    <a:bodyPr/>
+                    <a:lstStyle/>
+                    <a:p>
+                      <a:pPr algn="ctr" latinLnBrk="1"/>
+                      <a:r>
+                        <a:rPr lang="en-US" altLang="ko-KR" dirty="0" smtClean="0"/>
+                        <a:t>15</a:t>
+                      </a:r>
+                      <a:endParaRPr lang="ko-KR" altLang="en-US" dirty="0"/>
+                    </a:p>
+                  </a:txBody>
+                  <a:tcPr/>
+                </a:tc>
+                <a:tc>
+                  <a:txBody>
+                    <a:bodyPr/>
+                    <a:lstStyle/>
+                    <a:p>
+                      <a:pPr algn="ctr" latinLnBrk="1"/>
+                      <a:r>
+                        <a:rPr lang="en-US" altLang="ko-KR" dirty="0" smtClean="0"/>
+                        <a:t>2</a:t>
+                      </a:r>
+                      <a:endParaRPr lang="ko-KR" altLang="en-US" dirty="0"/>
+                    </a:p>
+                  </a:txBody>
+                  <a:tcPr/>
+                </a:tc>
+                <a:tc>
+                  <a:txBody>
+                    <a:bodyPr/>
+                    <a:lstStyle/>
+                    <a:p>
+                      <a:pPr algn="ctr" latinLnBrk="1"/>
+                      <a:r>
+                        <a:rPr lang="en-US" altLang="ko-KR" dirty="0" smtClean="0"/>
+                        <a:t>4</a:t>
+                      </a:r>
+                      <a:endParaRPr lang="ko-KR" altLang="en-US" dirty="0"/>
+                    </a:p>
+                  </a:txBody>
+                  <a:tcPr/>
+                </a:tc>
+                <a:tc>
+                  <a:txBody>
+                    <a:bodyPr/>
+                    <a:lstStyle/>
+                    <a:p>
+                      <a:pPr algn="ctr" latinLnBrk="1"/>
+                      <a:r>
+                        <a:rPr lang="en-US" altLang="ko-KR" dirty="0" smtClean="0"/>
+                        <a:t>6</a:t>
+                      </a:r>
+                      <a:endParaRPr lang="ko-KR" altLang="en-US" dirty="0"/>
+                    </a:p>
+                  </a:txBody>
+                  <a:tcPr/>
+                </a:tc>
+                <a:extLst>
+                  <a:ext uri="{0D108BD9-81ED-4DB2-BD59-A6C34878D82A}">
+                    <a16:rowId xmlns:a16="http://schemas.microsoft.com/office/drawing/2014/main" xmlns="" val="3618047631"/>
+                  </a:ext>
+                </a:extLst>
+              </a:tr>
+              <a:tr h="370840">
+                <a:tc>
+                  <a:txBody>
+                    <a:bodyPr/>
+                    <a:lstStyle/>
+                    <a:p>
+                      <a:pPr algn="ctr" latinLnBrk="1"/>
+                      <a:r>
+                        <a:rPr lang="ko-KR" altLang="en-US" dirty="0" smtClean="0"/>
+                        <a:t>소통</a:t>
+                      </a:r>
+                      <a:endParaRPr lang="ko-KR" altLang="en-US" dirty="0"/>
+                    </a:p>
+                  </a:txBody>
+                  <a:tcPr/>
+                </a:tc>
+                <a:tc>
+                  <a:txBody>
+                    <a:bodyPr/>
+                    <a:lstStyle/>
+                    <a:p>
+                      <a:pPr algn="ctr" latinLnBrk="1"/>
+                      <a:r>
+                        <a:rPr lang="en-US" altLang="ko-KR" dirty="0" smtClean="0"/>
+                        <a:t>2</a:t>
+                      </a:r>
+                      <a:endParaRPr lang="ko-KR" altLang="en-US" dirty="0"/>
+                    </a:p>
+                  </a:txBody>
+                  <a:tcPr/>
+                </a:tc>
+                <a:tc>
+                  <a:txBody>
+                    <a:bodyPr/>
+                    <a:lstStyle/>
+                    <a:p>
+                      <a:pPr algn="ctr" latinLnBrk="1"/>
+                      <a:r>
+                        <a:rPr lang="en-US" altLang="ko-KR" dirty="0" smtClean="0"/>
+                        <a:t>1</a:t>
+                      </a:r>
+                      <a:endParaRPr lang="ko-KR" altLang="en-US" dirty="0"/>
+                    </a:p>
+                  </a:txBody>
+                  <a:tcPr/>
+                </a:tc>
+                <a:tc>
+                  <a:txBody>
+                    <a:bodyPr/>
+                    <a:lstStyle/>
+                    <a:p>
+                      <a:pPr algn="ctr" latinLnBrk="1"/>
+                      <a:r>
+                        <a:rPr lang="en-US" altLang="ko-KR" dirty="0" smtClean="0"/>
+                        <a:t>5</a:t>
+                      </a:r>
+                      <a:endParaRPr lang="ko-KR" altLang="en-US" dirty="0"/>
+                    </a:p>
+                  </a:txBody>
+                  <a:tcPr/>
+                </a:tc>
+                <a:tc>
+                  <a:txBody>
+                    <a:bodyPr/>
+                    <a:lstStyle/>
+                    <a:p>
+                      <a:pPr algn="ctr" latinLnBrk="1"/>
+                      <a:endParaRPr lang="ko-KR" altLang="en-US" dirty="0"/>
+                    </a:p>
+                  </a:txBody>
+                  <a:tcPr/>
+                </a:tc>
+                <a:tc>
+                  <a:txBody>
+                    <a:bodyPr/>
+                    <a:lstStyle/>
+                    <a:p>
+                      <a:pPr algn="ctr" latinLnBrk="1"/>
+                      <a:endParaRPr lang="ko-KR" altLang="en-US" dirty="0"/>
+                    </a:p>
+                  </a:txBody>
+                  <a:tcPr/>
+                </a:tc>
+                <a:tc>
+                  <a:txBody>
+                    <a:bodyPr/>
+                    <a:lstStyle/>
+                    <a:p>
+                      <a:pPr algn="ctr" latinLnBrk="1"/>
+                      <a:endParaRPr lang="ko-KR" altLang="en-US" dirty="0"/>
+                    </a:p>
+                  </a:txBody>
+                  <a:tcPr/>
+                </a:tc>
+                <a:extLst>
+                  <a:ext uri="{0D108BD9-81ED-4DB2-BD59-A6C34878D82A}">
+                    <a16:rowId xmlns:a16="http://schemas.microsoft.com/office/drawing/2014/main" xmlns="" val="2659612943"/>
+                  </a:ext>
+                </a:extLst>
+              </a:tr>
+              <a:tr h="370840">
+                <a:tc>
+                  <a:txBody>
+                    <a:bodyPr/>
+                    <a:lstStyle/>
+                    <a:p>
+                      <a:pPr algn="ctr" latinLnBrk="1"/>
+                      <a:r>
+                        <a:rPr lang="ko-KR" altLang="en-US" dirty="0" smtClean="0"/>
+                        <a:t>잡담</a:t>
+                      </a:r>
+                      <a:endParaRPr lang="ko-KR" altLang="en-US" dirty="0"/>
+                    </a:p>
+                  </a:txBody>
+                  <a:tcPr/>
+                </a:tc>
+                <a:tc>
+                  <a:txBody>
+                    <a:bodyPr/>
+                    <a:lstStyle/>
+                    <a:p>
+                      <a:pPr algn="ctr" latinLnBrk="1"/>
+                      <a:r>
+                        <a:rPr lang="en-US" altLang="ko-KR" dirty="0" smtClean="0"/>
+                        <a:t>1</a:t>
+                      </a:r>
+                      <a:endParaRPr lang="ko-KR" altLang="en-US" dirty="0"/>
+                    </a:p>
+                  </a:txBody>
+                  <a:tcPr/>
+                </a:tc>
+                <a:tc>
+                  <a:txBody>
+                    <a:bodyPr/>
+                    <a:lstStyle/>
+                    <a:p>
+                      <a:pPr algn="ctr" latinLnBrk="1"/>
+                      <a:endParaRPr lang="ko-KR" altLang="en-US" dirty="0"/>
+                    </a:p>
+                  </a:txBody>
+                  <a:tcPr/>
+                </a:tc>
+                <a:tc>
+                  <a:txBody>
+                    <a:bodyPr/>
+                    <a:lstStyle/>
+                    <a:p>
+                      <a:pPr algn="ctr" latinLnBrk="1"/>
+                      <a:endParaRPr lang="ko-KR" altLang="en-US" dirty="0"/>
+                    </a:p>
+                  </a:txBody>
+                  <a:tcPr/>
+                </a:tc>
+                <a:tc>
+                  <a:txBody>
+                    <a:bodyPr/>
+                    <a:lstStyle/>
+                    <a:p>
+                      <a:pPr algn="ctr" latinLnBrk="1"/>
+                      <a:endParaRPr lang="ko-KR" altLang="en-US" dirty="0"/>
+                    </a:p>
+                  </a:txBody>
+                  <a:tcPr/>
+                </a:tc>
+                <a:tc>
+                  <a:txBody>
+                    <a:bodyPr/>
+                    <a:lstStyle/>
+                    <a:p>
+                      <a:pPr algn="ctr" latinLnBrk="1"/>
+                      <a:endParaRPr lang="ko-KR" altLang="en-US" dirty="0"/>
+                    </a:p>
+                  </a:txBody>
+                  <a:tcPr/>
+                </a:tc>
+                <a:tc>
+                  <a:txBody>
+                    <a:bodyPr/>
+                    <a:lstStyle/>
+                    <a:p>
+                      <a:pPr algn="ctr" latinLnBrk="1"/>
+                      <a:endParaRPr lang="ko-KR" altLang="en-US" dirty="0"/>
+                    </a:p>
+                  </a:txBody>
+                  <a:tcPr/>
+                </a:tc>
+                <a:extLst>
+                  <a:ext uri="{0D108BD9-81ED-4DB2-BD59-A6C34878D82A}">
+                    <a16:rowId xmlns:a16="http://schemas.microsoft.com/office/drawing/2014/main" xmlns="" val="3623186534"/>
+                  </a:ext>
+                </a:extLst>
+              </a:tr>
+              <a:tr h="370840">
+                <a:tc>
+                  <a:txBody>
+                    <a:bodyPr/>
+                    <a:lstStyle/>
+                    <a:p>
+                      <a:pPr algn="ctr" latinLnBrk="1"/>
+                      <a:r>
+                        <a:rPr lang="ko-KR" altLang="en-US" dirty="0" smtClean="0"/>
+                        <a:t>감정표현</a:t>
+                      </a:r>
+                      <a:endParaRPr lang="ko-KR" altLang="en-US" dirty="0"/>
+                    </a:p>
+                  </a:txBody>
+                  <a:tcPr/>
+                </a:tc>
+                <a:tc>
+                  <a:txBody>
+                    <a:bodyPr/>
+                    <a:lstStyle/>
+                    <a:p>
+                      <a:pPr algn="ctr" latinLnBrk="1"/>
+                      <a:endParaRPr lang="ko-KR" altLang="en-US" dirty="0"/>
+                    </a:p>
+                  </a:txBody>
+                  <a:tcPr/>
+                </a:tc>
+                <a:tc>
+                  <a:txBody>
+                    <a:bodyPr/>
+                    <a:lstStyle/>
+                    <a:p>
+                      <a:pPr algn="ctr" latinLnBrk="1"/>
+                      <a:endParaRPr lang="ko-KR" altLang="en-US" dirty="0"/>
+                    </a:p>
+                  </a:txBody>
+                  <a:tcPr/>
+                </a:tc>
+                <a:tc>
+                  <a:txBody>
+                    <a:bodyPr/>
+                    <a:lstStyle/>
+                    <a:p>
+                      <a:pPr algn="ctr" latinLnBrk="1"/>
+                      <a:r>
+                        <a:rPr lang="en-US" altLang="ko-KR" dirty="0" smtClean="0"/>
+                        <a:t>4</a:t>
+                      </a:r>
+                      <a:endParaRPr lang="ko-KR" altLang="en-US" dirty="0"/>
+                    </a:p>
+                  </a:txBody>
+                  <a:tcPr/>
+                </a:tc>
+                <a:tc>
+                  <a:txBody>
+                    <a:bodyPr/>
+                    <a:lstStyle/>
+                    <a:p>
+                      <a:pPr algn="ctr" latinLnBrk="1"/>
+                      <a:r>
+                        <a:rPr lang="en-US" altLang="ko-KR" dirty="0" smtClean="0"/>
+                        <a:t>3</a:t>
+                      </a:r>
+                      <a:endParaRPr lang="ko-KR" altLang="en-US" dirty="0"/>
+                    </a:p>
+                  </a:txBody>
+                  <a:tcPr/>
+                </a:tc>
+                <a:tc>
+                  <a:txBody>
+                    <a:bodyPr/>
+                    <a:lstStyle/>
+                    <a:p>
+                      <a:pPr algn="ctr" latinLnBrk="1"/>
+                      <a:endParaRPr lang="ko-KR" altLang="en-US" dirty="0"/>
+                    </a:p>
+                  </a:txBody>
+                  <a:tcPr/>
+                </a:tc>
+                <a:tc>
+                  <a:txBody>
+                    <a:bodyPr/>
+                    <a:lstStyle/>
+                    <a:p>
+                      <a:pPr algn="ctr" latinLnBrk="1"/>
+                      <a:r>
+                        <a:rPr lang="en-US" altLang="ko-KR" dirty="0" smtClean="0"/>
+                        <a:t>4</a:t>
+                      </a:r>
+                      <a:endParaRPr lang="ko-KR" altLang="en-US" dirty="0"/>
+                    </a:p>
+                  </a:txBody>
+                  <a:tcPr/>
+                </a:tc>
+                <a:extLst>
+                  <a:ext uri="{0D108BD9-81ED-4DB2-BD59-A6C34878D82A}">
+                    <a16:rowId xmlns:a16="http://schemas.microsoft.com/office/drawing/2014/main" xmlns="" val="1614559893"/>
+                  </a:ext>
+                </a:extLst>
+              </a:tr>
+              <a:tr h="370840">
+                <a:tc>
+                  <a:txBody>
+                    <a:bodyPr/>
+                    <a:lstStyle/>
+                    <a:p>
+                      <a:pPr algn="ctr" latinLnBrk="1"/>
+                      <a:r>
+                        <a:rPr lang="ko-KR" altLang="en-US" dirty="0" err="1" smtClean="0"/>
+                        <a:t>애드리브</a:t>
+                      </a:r>
+                      <a:endParaRPr lang="ko-KR" altLang="en-US" dirty="0"/>
+                    </a:p>
+                  </a:txBody>
+                  <a:tcPr/>
+                </a:tc>
+                <a:tc>
+                  <a:txBody>
+                    <a:bodyPr/>
+                    <a:lstStyle/>
+                    <a:p>
+                      <a:pPr algn="ctr" latinLnBrk="1"/>
+                      <a:endParaRPr lang="ko-KR" altLang="en-US" dirty="0"/>
+                    </a:p>
+                  </a:txBody>
+                  <a:tcPr/>
+                </a:tc>
+                <a:tc>
+                  <a:txBody>
+                    <a:bodyPr/>
+                    <a:lstStyle/>
+                    <a:p>
+                      <a:pPr algn="ctr" latinLnBrk="1"/>
+                      <a:endParaRPr lang="ko-KR" altLang="en-US" dirty="0"/>
+                    </a:p>
+                  </a:txBody>
+                  <a:tcPr/>
+                </a:tc>
+                <a:tc>
+                  <a:txBody>
+                    <a:bodyPr/>
+                    <a:lstStyle/>
+                    <a:p>
+                      <a:pPr algn="ctr" latinLnBrk="1"/>
+                      <a:r>
+                        <a:rPr lang="en-US" altLang="ko-KR" dirty="0" smtClean="0"/>
+                        <a:t>1</a:t>
+                      </a:r>
+                      <a:endParaRPr lang="ko-KR" altLang="en-US" dirty="0"/>
+                    </a:p>
+                  </a:txBody>
+                  <a:tcPr/>
+                </a:tc>
+                <a:tc>
+                  <a:txBody>
+                    <a:bodyPr/>
+                    <a:lstStyle/>
+                    <a:p>
+                      <a:pPr algn="ctr" latinLnBrk="1"/>
+                      <a:r>
+                        <a:rPr lang="en-US" altLang="ko-KR" dirty="0" smtClean="0"/>
+                        <a:t>2</a:t>
+                      </a:r>
+                      <a:endParaRPr lang="ko-KR" altLang="en-US" dirty="0"/>
+                    </a:p>
+                  </a:txBody>
+                  <a:tcPr/>
+                </a:tc>
+                <a:tc>
+                  <a:txBody>
+                    <a:bodyPr/>
+                    <a:lstStyle/>
+                    <a:p>
+                      <a:pPr algn="ctr" latinLnBrk="1"/>
+                      <a:endParaRPr lang="ko-KR" altLang="en-US" dirty="0"/>
+                    </a:p>
+                  </a:txBody>
+                  <a:tcPr/>
+                </a:tc>
+                <a:tc>
+                  <a:txBody>
+                    <a:bodyPr/>
+                    <a:lstStyle/>
+                    <a:p>
+                      <a:pPr algn="ctr" latinLnBrk="1"/>
+                      <a:r>
+                        <a:rPr lang="en-US" altLang="ko-KR" dirty="0" smtClean="0"/>
+                        <a:t>4</a:t>
+                      </a:r>
+                      <a:endParaRPr lang="ko-KR" altLang="en-US" dirty="0"/>
+                    </a:p>
+                  </a:txBody>
+                  <a:tcPr/>
+                </a:tc>
+                <a:extLst>
+                  <a:ext uri="{0D108BD9-81ED-4DB2-BD59-A6C34878D82A}">
+                    <a16:rowId xmlns:a16="http://schemas.microsoft.com/office/drawing/2014/main" xmlns="" val="2393325778"/>
+                  </a:ext>
+                </a:extLst>
+              </a:tr>
+            </a:tbl>
+          </a:graphicData>
+        </a:graphic>
+      </p:graphicFrame>
+      <p:sp>
+        <p:nvSpPr>
+          <p:cNvPr id="35" name="TextBox 34"/>
+          <p:cNvSpPr txBox="1"/>
+          <p:nvPr/>
+        </p:nvSpPr>
+        <p:spPr>
+          <a:xfrm>
+            <a:off x="4820840" y="5548374"/>
+            <a:ext cx="3503823" cy="369332"/>
+          </a:xfrm>
+          <a:prstGeom prst="rect">
+            <a:avLst/>
+          </a:prstGeom>
+          <a:noFill/>
+        </p:spPr>
+        <p:txBody>
+          <a:bodyPr wrap="square" rtlCol="0">
+            <a:spAutoFit/>
+          </a:bodyPr>
+          <a:lstStyle/>
+          <a:p>
+            <a:r>
+              <a:rPr lang="en-US" altLang="ko-KR" dirty="0" smtClean="0"/>
+              <a:t>19_06_</a:t>
+            </a:r>
+            <a:r>
+              <a:rPr lang="ko-KR" altLang="en-US" dirty="0" smtClean="0"/>
+              <a:t>생존자</a:t>
+            </a:r>
+            <a:r>
+              <a:rPr lang="en-US" altLang="ko-KR" dirty="0" smtClean="0"/>
+              <a:t>(</a:t>
+            </a:r>
+            <a:r>
+              <a:rPr lang="en-US" altLang="ko-KR" dirty="0" err="1" smtClean="0"/>
+              <a:t>vs</a:t>
+            </a:r>
+            <a:r>
+              <a:rPr lang="ko-KR" altLang="en-US" dirty="0" err="1" smtClean="0"/>
+              <a:t>너스</a:t>
+            </a:r>
+            <a:r>
+              <a:rPr lang="en-US" altLang="ko-KR" dirty="0" smtClean="0"/>
+              <a:t>)</a:t>
+            </a:r>
+            <a:endParaRPr lang="ko-KR" altLang="en-US" dirty="0"/>
+          </a:p>
+        </p:txBody>
+      </p:sp>
+    </p:spTree>
+    <p:extLst>
+      <p:ext uri="{BB962C8B-B14F-4D97-AF65-F5344CB8AC3E}">
+        <p14:creationId xmlns:p14="http://schemas.microsoft.com/office/powerpoint/2010/main" val="1473483340"/>
       </p:ext>
     </p:extLst>
   </p:cSld>
@@ -8354,7 +11538,7 @@
   <a:extraClrSchemeLst/>
   <a:extLst>
     <a:ext uri="{05A4C25C-085E-4340-85A3-A5531E510DB2}">
-      <thm15:themeFamily xmlns:thm15="http://schemas.microsoft.com/office/thememl/2012/main" name="Office Theme" id="{62F939B6-93AF-4DB8-9C6B-D6C7DFDC589F}" vid="{4A3C46E8-61CC-4603-A589-7422A47A8E4A}"/>
+      <thm15:themeFamily xmlns:thm15="http://schemas.microsoft.com/office/thememl/2012/main" xmlns="" name="Office Theme" id="{62F939B6-93AF-4DB8-9C6B-D6C7DFDC589F}" vid="{4A3C46E8-61CC-4603-A589-7422A47A8E4A}"/>
     </a:ext>
   </a:extLst>
 </a:theme>
@@ -8615,7 +11799,7 @@
   <a:extraClrSchemeLst/>
   <a:extLst>
     <a:ext uri="{05A4C25C-085E-4340-85A3-A5531E510DB2}">
-      <thm15:themeFamily xmlns:thm15="http://schemas.microsoft.com/office/thememl/2012/main" name="Office Theme" id="{62F939B6-93AF-4DB8-9C6B-D6C7DFDC589F}" vid="{4A3C46E8-61CC-4603-A589-7422A47A8E4A}"/>
+      <thm15:themeFamily xmlns:thm15="http://schemas.microsoft.com/office/thememl/2012/main" xmlns="" name="Office Theme" id="{62F939B6-93AF-4DB8-9C6B-D6C7DFDC589F}" vid="{4A3C46E8-61CC-4603-A589-7422A47A8E4A}"/>
     </a:ext>
   </a:extLst>
 </a:theme>
